--- a/ccn/randy_slides/oreilly_ccn_motor.pptx
+++ b/ccn/randy_slides/oreilly_ccn_motor.pptx
@@ -231,7 +231,7 @@
             <a:fld id="{134E0E46-09FB-E94F-B740-AE4D5C6FE5DD}" type="datetimeFigureOut">
               <a:rPr lang="en-US" smtClean="0"/>
               <a:pPr/>
-              <a:t>10/18/16</a:t>
+              <a:t>4/15/20</a:t>
             </a:fld>
             <a:endParaRPr lang="en-US"/>
           </a:p>
@@ -399,7 +399,7 @@
             <a:fld id="{A39D9CCF-58B7-6C4F-9057-0B7282734A9C}" type="datetimeFigureOut">
               <a:rPr lang="en-US" smtClean="0"/>
               <a:pPr/>
-              <a:t>10/18/16</a:t>
+              <a:t>4/15/20</a:t>
             </a:fld>
             <a:endParaRPr lang="en-US"/>
           </a:p>
@@ -465,38 +465,37 @@
           <a:p>
             <a:pPr lvl="0"/>
             <a:r>
-              <a:rPr lang="en-US" smtClean="0"/>
+              <a:rPr lang="en-US"/>
               <a:t>Click to edit Master text styles</a:t>
             </a:r>
           </a:p>
           <a:p>
             <a:pPr lvl="1"/>
             <a:r>
-              <a:rPr lang="en-US" smtClean="0"/>
+              <a:rPr lang="en-US"/>
               <a:t>Second level</a:t>
             </a:r>
           </a:p>
           <a:p>
             <a:pPr lvl="2"/>
             <a:r>
-              <a:rPr lang="en-US" smtClean="0"/>
+              <a:rPr lang="en-US"/>
               <a:t>Third level</a:t>
             </a:r>
           </a:p>
           <a:p>
             <a:pPr lvl="3"/>
             <a:r>
-              <a:rPr lang="en-US" smtClean="0"/>
+              <a:rPr lang="en-US"/>
               <a:t>Fourth level</a:t>
             </a:r>
           </a:p>
           <a:p>
             <a:pPr lvl="4"/>
             <a:r>
-              <a:rPr lang="en-US" smtClean="0"/>
+              <a:rPr lang="en-US"/>
               <a:t>Fifth level</a:t>
             </a:r>
-            <a:endParaRPr lang="en-US"/>
           </a:p>
         </p:txBody>
       </p:sp>
@@ -907,39 +906,39 @@
           <a:lstStyle/>
           <a:p>
             <a:r>
-              <a:rPr lang="en-US" dirty="0" smtClean="0"/>
+              <a:rPr lang="en-US" dirty="0"/>
               <a:t>Time delayed weight changes</a:t>
             </a:r>
           </a:p>
           <a:p>
             <a:r>
-              <a:rPr lang="en-US" dirty="0" smtClean="0"/>
+              <a:rPr lang="en-US" dirty="0"/>
               <a:t>Can’t do </a:t>
             </a:r>
             <a:r>
-              <a:rPr lang="en-US" dirty="0" err="1" smtClean="0"/>
+              <a:rPr lang="en-US" dirty="0" err="1"/>
               <a:t>backprop</a:t>
             </a:r>
             <a:r>
-              <a:rPr lang="en-US" dirty="0" smtClean="0"/>
+              <a:rPr lang="en-US" dirty="0"/>
               <a:t> – need to have a generic all-purpose</a:t>
             </a:r>
             <a:r>
-              <a:rPr lang="en-US" baseline="0" dirty="0" smtClean="0"/>
+              <a:rPr lang="en-US" baseline="0" dirty="0"/>
               <a:t> good-enough representation</a:t>
             </a:r>
           </a:p>
           <a:p>
             <a:r>
-              <a:rPr lang="en-US" baseline="0" dirty="0" smtClean="0"/>
+              <a:rPr lang="en-US" baseline="0" dirty="0"/>
               <a:t>First wave of computational modelers got the 1</a:t>
             </a:r>
             <a:r>
-              <a:rPr lang="en-US" baseline="30000" dirty="0" smtClean="0"/>
+              <a:rPr lang="en-US" baseline="30000" dirty="0"/>
               <a:t>st</a:t>
             </a:r>
             <a:r>
-              <a:rPr lang="en-US" baseline="0" dirty="0" smtClean="0"/>
+              <a:rPr lang="en-US" baseline="0" dirty="0"/>
               <a:t> principal component right on *everything* </a:t>
             </a:r>
           </a:p>
@@ -1020,10 +1019,9 @@
           <a:lstStyle/>
           <a:p>
             <a:r>
-              <a:rPr lang="en-US" smtClean="0"/>
+              <a:rPr lang="en-US"/>
               <a:t>Click to edit Master title style</a:t>
             </a:r>
-            <a:endParaRPr lang="en-US"/>
           </a:p>
         </p:txBody>
       </p:sp>
@@ -1085,10 +1083,9 @@
           </a:lstStyle>
           <a:p>
             <a:r>
-              <a:rPr lang="en-US" smtClean="0"/>
+              <a:rPr lang="en-US"/>
               <a:t>Click to edit Master subtitle style</a:t>
             </a:r>
-            <a:endParaRPr lang="en-US"/>
           </a:p>
         </p:txBody>
       </p:sp>
@@ -1114,7 +1111,7 @@
             <a:fld id="{0F43610C-CF0F-A341-95E3-9AC2B6738F38}" type="datetime1">
               <a:rPr lang="en-US" smtClean="0"/>
               <a:pPr/>
-              <a:t>10/18/16</a:t>
+              <a:t>4/15/20</a:t>
             </a:fld>
             <a:endParaRPr lang="en-US"/>
           </a:p>
@@ -1212,10 +1209,9 @@
           <a:lstStyle/>
           <a:p>
             <a:r>
-              <a:rPr lang="en-US" smtClean="0"/>
+              <a:rPr lang="en-US"/>
               <a:t>Click to edit Master title style</a:t>
             </a:r>
-            <a:endParaRPr lang="en-US"/>
           </a:p>
         </p:txBody>
       </p:sp>
@@ -1236,38 +1232,37 @@
           <a:p>
             <a:pPr lvl="0"/>
             <a:r>
-              <a:rPr lang="en-US" smtClean="0"/>
+              <a:rPr lang="en-US"/>
               <a:t>Click to edit Master text styles</a:t>
             </a:r>
           </a:p>
           <a:p>
             <a:pPr lvl="1"/>
             <a:r>
-              <a:rPr lang="en-US" smtClean="0"/>
+              <a:rPr lang="en-US"/>
               <a:t>Second level</a:t>
             </a:r>
           </a:p>
           <a:p>
             <a:pPr lvl="2"/>
             <a:r>
-              <a:rPr lang="en-US" smtClean="0"/>
+              <a:rPr lang="en-US"/>
               <a:t>Third level</a:t>
             </a:r>
           </a:p>
           <a:p>
             <a:pPr lvl="3"/>
             <a:r>
-              <a:rPr lang="en-US" smtClean="0"/>
+              <a:rPr lang="en-US"/>
               <a:t>Fourth level</a:t>
             </a:r>
           </a:p>
           <a:p>
             <a:pPr lvl="4"/>
             <a:r>
-              <a:rPr lang="en-US" smtClean="0"/>
+              <a:rPr lang="en-US"/>
               <a:t>Fifth level</a:t>
             </a:r>
-            <a:endParaRPr lang="en-US"/>
           </a:p>
         </p:txBody>
       </p:sp>
@@ -1293,7 +1288,7 @@
             <a:fld id="{80722BD1-6F2E-954E-9666-DACFAE059D87}" type="datetime1">
               <a:rPr lang="en-US" smtClean="0"/>
               <a:pPr/>
-              <a:t>10/18/16</a:t>
+              <a:t>4/15/20</a:t>
             </a:fld>
             <a:endParaRPr lang="en-US"/>
           </a:p>
@@ -1396,10 +1391,9 @@
           <a:lstStyle/>
           <a:p>
             <a:r>
-              <a:rPr lang="en-US" smtClean="0"/>
+              <a:rPr lang="en-US"/>
               <a:t>Click to edit Master title style</a:t>
             </a:r>
-            <a:endParaRPr lang="en-US"/>
           </a:p>
         </p:txBody>
       </p:sp>
@@ -1425,38 +1419,37 @@
           <a:p>
             <a:pPr lvl="0"/>
             <a:r>
-              <a:rPr lang="en-US" smtClean="0"/>
+              <a:rPr lang="en-US"/>
               <a:t>Click to edit Master text styles</a:t>
             </a:r>
           </a:p>
           <a:p>
             <a:pPr lvl="1"/>
             <a:r>
-              <a:rPr lang="en-US" smtClean="0"/>
+              <a:rPr lang="en-US"/>
               <a:t>Second level</a:t>
             </a:r>
           </a:p>
           <a:p>
             <a:pPr lvl="2"/>
             <a:r>
-              <a:rPr lang="en-US" smtClean="0"/>
+              <a:rPr lang="en-US"/>
               <a:t>Third level</a:t>
             </a:r>
           </a:p>
           <a:p>
             <a:pPr lvl="3"/>
             <a:r>
-              <a:rPr lang="en-US" smtClean="0"/>
+              <a:rPr lang="en-US"/>
               <a:t>Fourth level</a:t>
             </a:r>
           </a:p>
           <a:p>
             <a:pPr lvl="4"/>
             <a:r>
-              <a:rPr lang="en-US" smtClean="0"/>
+              <a:rPr lang="en-US"/>
               <a:t>Fifth level</a:t>
             </a:r>
-            <a:endParaRPr lang="en-US"/>
           </a:p>
         </p:txBody>
       </p:sp>
@@ -1482,7 +1475,7 @@
             <a:fld id="{81719E71-40F5-594A-A597-B9A1F7A8E2A0}" type="datetime1">
               <a:rPr lang="en-US" smtClean="0"/>
               <a:pPr/>
-              <a:t>10/18/16</a:t>
+              <a:t>4/15/20</a:t>
             </a:fld>
             <a:endParaRPr lang="en-US"/>
           </a:p>
@@ -1580,10 +1573,9 @@
           <a:lstStyle/>
           <a:p>
             <a:r>
-              <a:rPr lang="en-US" smtClean="0"/>
+              <a:rPr lang="en-US"/>
               <a:t>Click to edit Master title style</a:t>
             </a:r>
-            <a:endParaRPr lang="en-US"/>
           </a:p>
         </p:txBody>
       </p:sp>
@@ -1604,38 +1596,37 @@
           <a:p>
             <a:pPr lvl="0"/>
             <a:r>
-              <a:rPr lang="en-US" smtClean="0"/>
+              <a:rPr lang="en-US"/>
               <a:t>Click to edit Master text styles</a:t>
             </a:r>
           </a:p>
           <a:p>
             <a:pPr lvl="1"/>
             <a:r>
-              <a:rPr lang="en-US" smtClean="0"/>
+              <a:rPr lang="en-US"/>
               <a:t>Second level</a:t>
             </a:r>
           </a:p>
           <a:p>
             <a:pPr lvl="2"/>
             <a:r>
-              <a:rPr lang="en-US" smtClean="0"/>
+              <a:rPr lang="en-US"/>
               <a:t>Third level</a:t>
             </a:r>
           </a:p>
           <a:p>
             <a:pPr lvl="3"/>
             <a:r>
-              <a:rPr lang="en-US" smtClean="0"/>
+              <a:rPr lang="en-US"/>
               <a:t>Fourth level</a:t>
             </a:r>
           </a:p>
           <a:p>
             <a:pPr lvl="4"/>
             <a:r>
-              <a:rPr lang="en-US" smtClean="0"/>
+              <a:rPr lang="en-US"/>
               <a:t>Fifth level</a:t>
             </a:r>
-            <a:endParaRPr lang="en-US"/>
           </a:p>
         </p:txBody>
       </p:sp>
@@ -1661,7 +1652,7 @@
             <a:fld id="{80E7870B-B594-BE4F-883F-5AA3BF0E980A}" type="datetime1">
               <a:rPr lang="en-US" smtClean="0"/>
               <a:pPr/>
-              <a:t>10/18/16</a:t>
+              <a:t>4/15/20</a:t>
             </a:fld>
             <a:endParaRPr lang="en-US"/>
           </a:p>
@@ -1768,10 +1759,9 @@
           </a:lstStyle>
           <a:p>
             <a:r>
-              <a:rPr lang="en-US" smtClean="0"/>
+              <a:rPr lang="en-US"/>
               <a:t>Click to edit Master title style</a:t>
             </a:r>
-            <a:endParaRPr lang="en-US"/>
           </a:p>
         </p:txBody>
       </p:sp>
@@ -1834,7 +1824,7 @@
           <a:p>
             <a:pPr lvl="0"/>
             <a:r>
-              <a:rPr lang="en-US" smtClean="0"/>
+              <a:rPr lang="en-US"/>
               <a:t>Click to edit Master text styles</a:t>
             </a:r>
           </a:p>
@@ -1862,7 +1852,7 @@
             <a:fld id="{4001173A-C22D-A545-AA98-51D0B584A64A}" type="datetime1">
               <a:rPr lang="en-US" smtClean="0"/>
               <a:pPr/>
-              <a:t>10/18/16</a:t>
+              <a:t>4/15/20</a:t>
             </a:fld>
             <a:endParaRPr lang="en-US"/>
           </a:p>
@@ -1960,10 +1950,9 @@
           <a:lstStyle/>
           <a:p>
             <a:r>
-              <a:rPr lang="en-US" smtClean="0"/>
+              <a:rPr lang="en-US"/>
               <a:t>Click to edit Master title style</a:t>
             </a:r>
-            <a:endParaRPr lang="en-US"/>
           </a:p>
         </p:txBody>
       </p:sp>
@@ -2017,38 +2006,37 @@
           <a:p>
             <a:pPr lvl="0"/>
             <a:r>
-              <a:rPr lang="en-US" smtClean="0"/>
+              <a:rPr lang="en-US"/>
               <a:t>Click to edit Master text styles</a:t>
             </a:r>
           </a:p>
           <a:p>
             <a:pPr lvl="1"/>
             <a:r>
-              <a:rPr lang="en-US" smtClean="0"/>
+              <a:rPr lang="en-US"/>
               <a:t>Second level</a:t>
             </a:r>
           </a:p>
           <a:p>
             <a:pPr lvl="2"/>
             <a:r>
-              <a:rPr lang="en-US" smtClean="0"/>
+              <a:rPr lang="en-US"/>
               <a:t>Third level</a:t>
             </a:r>
           </a:p>
           <a:p>
             <a:pPr lvl="3"/>
             <a:r>
-              <a:rPr lang="en-US" smtClean="0"/>
+              <a:rPr lang="en-US"/>
               <a:t>Fourth level</a:t>
             </a:r>
           </a:p>
           <a:p>
             <a:pPr lvl="4"/>
             <a:r>
-              <a:rPr lang="en-US" smtClean="0"/>
+              <a:rPr lang="en-US"/>
               <a:t>Fifth level</a:t>
             </a:r>
-            <a:endParaRPr lang="en-US"/>
           </a:p>
         </p:txBody>
       </p:sp>
@@ -2102,38 +2090,37 @@
           <a:p>
             <a:pPr lvl="0"/>
             <a:r>
-              <a:rPr lang="en-US" smtClean="0"/>
+              <a:rPr lang="en-US"/>
               <a:t>Click to edit Master text styles</a:t>
             </a:r>
           </a:p>
           <a:p>
             <a:pPr lvl="1"/>
             <a:r>
-              <a:rPr lang="en-US" smtClean="0"/>
+              <a:rPr lang="en-US"/>
               <a:t>Second level</a:t>
             </a:r>
           </a:p>
           <a:p>
             <a:pPr lvl="2"/>
             <a:r>
-              <a:rPr lang="en-US" smtClean="0"/>
+              <a:rPr lang="en-US"/>
               <a:t>Third level</a:t>
             </a:r>
           </a:p>
           <a:p>
             <a:pPr lvl="3"/>
             <a:r>
-              <a:rPr lang="en-US" smtClean="0"/>
+              <a:rPr lang="en-US"/>
               <a:t>Fourth level</a:t>
             </a:r>
           </a:p>
           <a:p>
             <a:pPr lvl="4"/>
             <a:r>
-              <a:rPr lang="en-US" smtClean="0"/>
+              <a:rPr lang="en-US"/>
               <a:t>Fifth level</a:t>
             </a:r>
-            <a:endParaRPr lang="en-US"/>
           </a:p>
         </p:txBody>
       </p:sp>
@@ -2159,7 +2146,7 @@
             <a:fld id="{8627B750-1BB8-F846-854F-817BE719E813}" type="datetime1">
               <a:rPr lang="en-US" smtClean="0"/>
               <a:pPr/>
-              <a:t>10/18/16</a:t>
+              <a:t>4/15/20</a:t>
             </a:fld>
             <a:endParaRPr lang="en-US"/>
           </a:p>
@@ -2266,10 +2253,9 @@
           </a:lstStyle>
           <a:p>
             <a:r>
-              <a:rPr lang="en-US" smtClean="0"/>
+              <a:rPr lang="en-US"/>
               <a:t>Click to edit Master title style</a:t>
             </a:r>
-            <a:endParaRPr lang="en-US"/>
           </a:p>
         </p:txBody>
       </p:sp>
@@ -2332,7 +2318,7 @@
           <a:p>
             <a:pPr lvl="0"/>
             <a:r>
-              <a:rPr lang="en-US" smtClean="0"/>
+              <a:rPr lang="en-US"/>
               <a:t>Click to edit Master text styles</a:t>
             </a:r>
           </a:p>
@@ -2388,38 +2374,37 @@
           <a:p>
             <a:pPr lvl="0"/>
             <a:r>
-              <a:rPr lang="en-US" smtClean="0"/>
+              <a:rPr lang="en-US"/>
               <a:t>Click to edit Master text styles</a:t>
             </a:r>
           </a:p>
           <a:p>
             <a:pPr lvl="1"/>
             <a:r>
-              <a:rPr lang="en-US" smtClean="0"/>
+              <a:rPr lang="en-US"/>
               <a:t>Second level</a:t>
             </a:r>
           </a:p>
           <a:p>
             <a:pPr lvl="2"/>
             <a:r>
-              <a:rPr lang="en-US" smtClean="0"/>
+              <a:rPr lang="en-US"/>
               <a:t>Third level</a:t>
             </a:r>
           </a:p>
           <a:p>
             <a:pPr lvl="3"/>
             <a:r>
-              <a:rPr lang="en-US" smtClean="0"/>
+              <a:rPr lang="en-US"/>
               <a:t>Fourth level</a:t>
             </a:r>
           </a:p>
           <a:p>
             <a:pPr lvl="4"/>
             <a:r>
-              <a:rPr lang="en-US" smtClean="0"/>
+              <a:rPr lang="en-US"/>
               <a:t>Fifth level</a:t>
             </a:r>
-            <a:endParaRPr lang="en-US"/>
           </a:p>
         </p:txBody>
       </p:sp>
@@ -2482,7 +2467,7 @@
           <a:p>
             <a:pPr lvl="0"/>
             <a:r>
-              <a:rPr lang="en-US" smtClean="0"/>
+              <a:rPr lang="en-US"/>
               <a:t>Click to edit Master text styles</a:t>
             </a:r>
           </a:p>
@@ -2538,38 +2523,37 @@
           <a:p>
             <a:pPr lvl="0"/>
             <a:r>
-              <a:rPr lang="en-US" smtClean="0"/>
+              <a:rPr lang="en-US"/>
               <a:t>Click to edit Master text styles</a:t>
             </a:r>
           </a:p>
           <a:p>
             <a:pPr lvl="1"/>
             <a:r>
-              <a:rPr lang="en-US" smtClean="0"/>
+              <a:rPr lang="en-US"/>
               <a:t>Second level</a:t>
             </a:r>
           </a:p>
           <a:p>
             <a:pPr lvl="2"/>
             <a:r>
-              <a:rPr lang="en-US" smtClean="0"/>
+              <a:rPr lang="en-US"/>
               <a:t>Third level</a:t>
             </a:r>
           </a:p>
           <a:p>
             <a:pPr lvl="3"/>
             <a:r>
-              <a:rPr lang="en-US" smtClean="0"/>
+              <a:rPr lang="en-US"/>
               <a:t>Fourth level</a:t>
             </a:r>
           </a:p>
           <a:p>
             <a:pPr lvl="4"/>
             <a:r>
-              <a:rPr lang="en-US" smtClean="0"/>
+              <a:rPr lang="en-US"/>
               <a:t>Fifth level</a:t>
             </a:r>
-            <a:endParaRPr lang="en-US"/>
           </a:p>
         </p:txBody>
       </p:sp>
@@ -2595,7 +2579,7 @@
             <a:fld id="{A24BBA21-B6FA-C24E-9759-3735F7DAA052}" type="datetime1">
               <a:rPr lang="en-US" smtClean="0"/>
               <a:pPr/>
-              <a:t>10/18/16</a:t>
+              <a:t>4/15/20</a:t>
             </a:fld>
             <a:endParaRPr lang="en-US"/>
           </a:p>
@@ -2693,10 +2677,9 @@
           <a:lstStyle/>
           <a:p>
             <a:r>
-              <a:rPr lang="en-US" smtClean="0"/>
+              <a:rPr lang="en-US"/>
               <a:t>Click to edit Master title style</a:t>
             </a:r>
-            <a:endParaRPr lang="en-US"/>
           </a:p>
         </p:txBody>
       </p:sp>
@@ -2722,7 +2705,7 @@
             <a:fld id="{A208DD61-016E-E544-8D0E-6C417EB34521}" type="datetime1">
               <a:rPr lang="en-US" smtClean="0"/>
               <a:pPr/>
-              <a:t>10/18/16</a:t>
+              <a:t>4/15/20</a:t>
             </a:fld>
             <a:endParaRPr lang="en-US"/>
           </a:p>
@@ -2826,7 +2809,7 @@
             <a:fld id="{60D8413E-DCA1-2346-AF80-5D4D797103C0}" type="datetime1">
               <a:rPr lang="en-US" smtClean="0"/>
               <a:pPr/>
-              <a:t>10/18/16</a:t>
+              <a:t>4/15/20</a:t>
             </a:fld>
             <a:endParaRPr lang="en-US"/>
           </a:p>
@@ -2933,10 +2916,9 @@
           </a:lstStyle>
           <a:p>
             <a:r>
-              <a:rPr lang="en-US" smtClean="0"/>
+              <a:rPr lang="en-US"/>
               <a:t>Click to edit Master title style</a:t>
             </a:r>
-            <a:endParaRPr lang="en-US"/>
           </a:p>
         </p:txBody>
       </p:sp>
@@ -2990,38 +2972,37 @@
           <a:p>
             <a:pPr lvl="0"/>
             <a:r>
-              <a:rPr lang="en-US" smtClean="0"/>
+              <a:rPr lang="en-US"/>
               <a:t>Click to edit Master text styles</a:t>
             </a:r>
           </a:p>
           <a:p>
             <a:pPr lvl="1"/>
             <a:r>
-              <a:rPr lang="en-US" smtClean="0"/>
+              <a:rPr lang="en-US"/>
               <a:t>Second level</a:t>
             </a:r>
           </a:p>
           <a:p>
             <a:pPr lvl="2"/>
             <a:r>
-              <a:rPr lang="en-US" smtClean="0"/>
+              <a:rPr lang="en-US"/>
               <a:t>Third level</a:t>
             </a:r>
           </a:p>
           <a:p>
             <a:pPr lvl="3"/>
             <a:r>
-              <a:rPr lang="en-US" smtClean="0"/>
+              <a:rPr lang="en-US"/>
               <a:t>Fourth level</a:t>
             </a:r>
           </a:p>
           <a:p>
             <a:pPr lvl="4"/>
             <a:r>
-              <a:rPr lang="en-US" smtClean="0"/>
+              <a:rPr lang="en-US"/>
               <a:t>Fifth level</a:t>
             </a:r>
-            <a:endParaRPr lang="en-US"/>
           </a:p>
         </p:txBody>
       </p:sp>
@@ -3084,7 +3065,7 @@
           <a:p>
             <a:pPr lvl="0"/>
             <a:r>
-              <a:rPr lang="en-US" smtClean="0"/>
+              <a:rPr lang="en-US"/>
               <a:t>Click to edit Master text styles</a:t>
             </a:r>
           </a:p>
@@ -3112,7 +3093,7 @@
             <a:fld id="{51AF361F-D5BC-E048-9595-281C5881E6B3}" type="datetime1">
               <a:rPr lang="en-US" smtClean="0"/>
               <a:pPr/>
-              <a:t>10/18/16</a:t>
+              <a:t>4/15/20</a:t>
             </a:fld>
             <a:endParaRPr lang="en-US"/>
           </a:p>
@@ -3219,10 +3200,9 @@
           </a:lstStyle>
           <a:p>
             <a:r>
-              <a:rPr lang="en-US" smtClean="0"/>
+              <a:rPr lang="en-US"/>
               <a:t>Click to edit Master title style</a:t>
             </a:r>
-            <a:endParaRPr lang="en-US"/>
           </a:p>
         </p:txBody>
       </p:sp>
@@ -3284,10 +3264,9 @@
           </a:lstStyle>
           <a:p>
             <a:r>
-              <a:rPr lang="en-US" smtClean="0"/>
+              <a:rPr lang="en-US"/>
               <a:t>Click icon to add picture</a:t>
             </a:r>
-            <a:endParaRPr lang="en-US"/>
           </a:p>
         </p:txBody>
       </p:sp>
@@ -3350,7 +3329,7 @@
           <a:p>
             <a:pPr lvl="0"/>
             <a:r>
-              <a:rPr lang="en-US" smtClean="0"/>
+              <a:rPr lang="en-US"/>
               <a:t>Click to edit Master text styles</a:t>
             </a:r>
           </a:p>
@@ -3378,7 +3357,7 @@
             <a:fld id="{C8332548-F664-E64B-966D-816A33A80B57}" type="datetime1">
               <a:rPr lang="en-US" smtClean="0"/>
               <a:pPr/>
-              <a:t>10/18/16</a:t>
+              <a:t>4/15/20</a:t>
             </a:fld>
             <a:endParaRPr lang="en-US"/>
           </a:p>
@@ -3509,10 +3488,9 @@
           <a:p>
             <a:pPr lvl="0"/>
             <a:r>
-              <a:rPr lang="en-US" smtClean="0"/>
+              <a:rPr lang="en-US"/>
               <a:t>Click to edit Master title style</a:t>
             </a:r>
-            <a:endParaRPr lang="en-US"/>
           </a:p>
         </p:txBody>
       </p:sp>
@@ -3553,38 +3531,37 @@
           <a:p>
             <a:pPr lvl="0"/>
             <a:r>
-              <a:rPr lang="en-US" smtClean="0"/>
+              <a:rPr lang="en-US"/>
               <a:t>Click to edit Master text styles</a:t>
             </a:r>
           </a:p>
           <a:p>
             <a:pPr lvl="1"/>
             <a:r>
-              <a:rPr lang="en-US" smtClean="0"/>
+              <a:rPr lang="en-US"/>
               <a:t>Second level</a:t>
             </a:r>
           </a:p>
           <a:p>
             <a:pPr lvl="2"/>
             <a:r>
-              <a:rPr lang="en-US" smtClean="0"/>
+              <a:rPr lang="en-US"/>
               <a:t>Third level</a:t>
             </a:r>
           </a:p>
           <a:p>
             <a:pPr lvl="3"/>
             <a:r>
-              <a:rPr lang="en-US" smtClean="0"/>
+              <a:rPr lang="en-US"/>
               <a:t>Fourth level</a:t>
             </a:r>
           </a:p>
           <a:p>
             <a:pPr lvl="4"/>
             <a:r>
-              <a:rPr lang="en-US" smtClean="0"/>
+              <a:rPr lang="en-US"/>
               <a:t>Fifth level</a:t>
             </a:r>
-            <a:endParaRPr lang="en-US"/>
           </a:p>
         </p:txBody>
       </p:sp>
@@ -3645,7 +3622,7 @@
             <a:fld id="{97796E05-5980-E044-9A8E-0F7500585CCE}" type="datetime1">
               <a:rPr lang="en-US" smtClean="0"/>
               <a:pPr/>
-              <a:t>10/18/16</a:t>
+              <a:t>4/15/20</a:t>
             </a:fld>
             <a:endParaRPr lang="en-US"/>
           </a:p>
@@ -3789,13 +3766,6 @@
     <p:sldLayoutId id="2147483670" r:id="rId10"/>
     <p:sldLayoutId id="2147483671" r:id="rId11"/>
   </p:sldLayoutIdLst>
-  <p:timing>
-    <p:tnLst>
-      <p:par>
-        <p:cTn id="1" dur="indefinite" restart="never" nodeType="tmRoot"/>
-      </p:par>
-    </p:tnLst>
-  </p:timing>
   <p:hf hdr="0" ftr="0" dt="0"/>
   <p:txStyles>
     <p:titleStyle>
@@ -4375,10 +4345,9 @@
           <a:lstStyle/>
           <a:p>
             <a:r>
-              <a:rPr lang="en-US" dirty="0" smtClean="0"/>
+              <a:rPr lang="en-US" dirty="0"/>
               <a:t>Motor Control and Reinforcement Learning</a:t>
             </a:r>
-            <a:endParaRPr lang="en-US" dirty="0"/>
           </a:p>
         </p:txBody>
       </p:sp>
@@ -4397,20 +4366,19 @@
           <a:bodyPr/>
           <a:lstStyle/>
           <a:p>
-            <a:endParaRPr lang="en-US" dirty="0" smtClean="0"/>
-          </a:p>
-          <a:p>
-            <a:r>
-              <a:rPr lang="en-US" dirty="0" smtClean="0"/>
+            <a:endParaRPr lang="en-US" dirty="0"/>
+          </a:p>
+          <a:p>
+            <a:r>
+              <a:rPr lang="en-US" dirty="0"/>
               <a:t>Computational Cognitive Neuroscience</a:t>
             </a:r>
           </a:p>
           <a:p>
             <a:r>
-              <a:rPr lang="en-US" dirty="0" smtClean="0"/>
+              <a:rPr lang="en-US" dirty="0"/>
               <a:t>Randall O’Reilly</a:t>
             </a:r>
-            <a:endParaRPr lang="en-US" dirty="0"/>
           </a:p>
         </p:txBody>
       </p:sp>
@@ -4460,10 +4428,9 @@
           <a:lstStyle/>
           <a:p>
             <a:r>
-              <a:rPr lang="en-US" dirty="0" smtClean="0"/>
+              <a:rPr lang="en-US" dirty="0"/>
               <a:t>Medial Frontal Map of Values</a:t>
             </a:r>
-            <a:endParaRPr lang="en-US" dirty="0"/>
           </a:p>
         </p:txBody>
       </p:sp>
@@ -4530,13 +4497,6 @@
   <p:clrMapOvr>
     <a:masterClrMapping/>
   </p:clrMapOvr>
-  <p:timing>
-    <p:tnLst>
-      <p:par>
-        <p:cTn id="1" dur="indefinite" restart="never" nodeType="tmRoot"/>
-      </p:par>
-    </p:tnLst>
-  </p:timing>
 </p:sld>
 </file>
 
@@ -4573,10 +4533,9 @@
           <a:lstStyle/>
           <a:p>
             <a:r>
-              <a:rPr lang="en-US" dirty="0" smtClean="0"/>
+              <a:rPr lang="en-US" dirty="0"/>
               <a:t>Release from Inhibition</a:t>
             </a:r>
-            <a:endParaRPr lang="en-US" dirty="0"/>
           </a:p>
         </p:txBody>
       </p:sp>
@@ -4633,13 +4592,6 @@
   <p:clrMapOvr>
     <a:masterClrMapping/>
   </p:clrMapOvr>
-  <p:timing>
-    <p:tnLst>
-      <p:par>
-        <p:cTn id="1" dur="indefinite" restart="never" nodeType="tmRoot"/>
-      </p:par>
-    </p:tnLst>
-  </p:timing>
 </p:sld>
 </file>
 
@@ -4676,11 +4628,11 @@
           <a:lstStyle/>
           <a:p>
             <a:r>
-              <a:rPr lang="en-US" dirty="0" smtClean="0"/>
+              <a:rPr lang="en-US" dirty="0"/>
               <a:t>Basal Ganglia Reward Learning</a:t>
             </a:r>
             <a:br>
-              <a:rPr lang="en-US" dirty="0" smtClean="0"/>
+              <a:rPr lang="en-US" dirty="0"/>
             </a:br>
             <a:r>
               <a:rPr lang="en-US" sz="1800" dirty="0"/>
@@ -4819,13 +4771,6 @@
   <p:clrMapOvr>
     <a:masterClrMapping/>
   </p:clrMapOvr>
-  <p:timing>
-    <p:tnLst>
-      <p:par>
-        <p:cTn id="1" dur="indefinite" restart="never" nodeType="tmRoot"/>
-      </p:par>
-    </p:tnLst>
-  </p:timing>
 </p:sld>
 </file>
 
@@ -4867,10 +4812,9 @@
           <a:lstStyle/>
           <a:p>
             <a:r>
-              <a:rPr lang="en-US" dirty="0" smtClean="0"/>
+              <a:rPr lang="en-US" dirty="0"/>
               <a:t>Reinforcement Learning: Dopamine</a:t>
             </a:r>
-            <a:endParaRPr lang="en-US" dirty="0"/>
           </a:p>
         </p:txBody>
       </p:sp>
@@ -4949,14 +4893,13 @@
           <a:lstStyle/>
           <a:p>
             <a:r>
-              <a:rPr lang="en-US" dirty="0" err="1" smtClean="0"/>
+              <a:rPr lang="en-US" dirty="0" err="1"/>
               <a:t>Rescorla</a:t>
             </a:r>
             <a:r>
-              <a:rPr lang="en-US" dirty="0" smtClean="0"/>
+              <a:rPr lang="en-US" dirty="0"/>
               <a:t>-Wagner / Delta Rule:</a:t>
             </a:r>
-            <a:endParaRPr lang="en-US" dirty="0"/>
           </a:p>
         </p:txBody>
       </p:sp>
@@ -5013,16 +4956,15 @@
           <a:lstStyle/>
           <a:p>
             <a:r>
-              <a:rPr lang="en-US" dirty="0" smtClean="0"/>
+              <a:rPr lang="en-US" dirty="0"/>
               <a:t>But no CS-onset firing – need to </a:t>
             </a:r>
           </a:p>
           <a:p>
             <a:r>
-              <a:rPr lang="en-US" dirty="0" smtClean="0"/>
+              <a:rPr lang="en-US" dirty="0"/>
               <a:t>Anticipate the future!</a:t>
             </a:r>
-            <a:endParaRPr lang="en-US" dirty="0"/>
           </a:p>
         </p:txBody>
       </p:sp>
@@ -5079,10 +5021,9 @@
           <a:lstStyle/>
           <a:p>
             <a:r>
-              <a:rPr lang="en-US" dirty="0" smtClean="0"/>
+              <a:rPr lang="en-US" dirty="0"/>
               <a:t>CS-onset = future reward = f</a:t>
             </a:r>
-            <a:endParaRPr lang="en-US" dirty="0"/>
           </a:p>
         </p:txBody>
       </p:sp>
@@ -5096,13 +5037,6 @@
   <p:clrMapOvr>
     <a:masterClrMapping/>
   </p:clrMapOvr>
-  <p:timing>
-    <p:tnLst>
-      <p:par>
-        <p:cTn id="1" dur="indefinite" restart="never" nodeType="tmRoot"/>
-      </p:par>
-    </p:tnLst>
-  </p:timing>
 </p:sld>
 </file>
 
@@ -5139,10 +5073,9 @@
           <a:lstStyle/>
           <a:p>
             <a:r>
-              <a:rPr lang="en-US" dirty="0" smtClean="0"/>
+              <a:rPr lang="en-US" dirty="0"/>
               <a:t>Temporal Differences Learning</a:t>
             </a:r>
-            <a:endParaRPr lang="en-US" dirty="0"/>
           </a:p>
         </p:txBody>
       </p:sp>
@@ -5343,10 +5276,9 @@
           <a:lstStyle/>
           <a:p>
             <a:r>
-              <a:rPr lang="en-US" dirty="0" smtClean="0"/>
+              <a:rPr lang="en-US" dirty="0"/>
               <a:t>&lt;- this is the future!</a:t>
             </a:r>
-            <a:endParaRPr lang="en-US" dirty="0"/>
           </a:p>
         </p:txBody>
       </p:sp>
@@ -5360,13 +5292,6 @@
   <p:clrMapOvr>
     <a:masterClrMapping/>
   </p:clrMapOvr>
-  <p:timing>
-    <p:tnLst>
-      <p:par>
-        <p:cTn id="1" dur="indefinite" restart="never" nodeType="tmRoot"/>
-      </p:par>
-    </p:tnLst>
-  </p:timing>
 </p:sld>
 </file>
 
@@ -5408,10 +5333,9 @@
           <a:lstStyle/>
           <a:p>
             <a:r>
-              <a:rPr lang="en-US" dirty="0" smtClean="0"/>
+              <a:rPr lang="en-US" dirty="0"/>
               <a:t>Network Implementation</a:t>
             </a:r>
-            <a:endParaRPr lang="en-US" dirty="0"/>
           </a:p>
         </p:txBody>
       </p:sp>
@@ -5478,13 +5402,6 @@
   <p:clrMapOvr>
     <a:masterClrMapping/>
   </p:clrMapOvr>
-  <p:timing>
-    <p:tnLst>
-      <p:par>
-        <p:cTn id="1" dur="indefinite" restart="never" nodeType="tmRoot"/>
-      </p:par>
-    </p:tnLst>
-  </p:timing>
 </p:sld>
 </file>
 
@@ -5521,10 +5438,9 @@
           <a:lstStyle/>
           <a:p>
             <a:r>
-              <a:rPr lang="en-US" dirty="0" smtClean="0"/>
+              <a:rPr lang="en-US" dirty="0"/>
               <a:t>Actor - Critic</a:t>
             </a:r>
-            <a:endParaRPr lang="en-US" dirty="0"/>
           </a:p>
         </p:txBody>
       </p:sp>
@@ -5622,13 +5538,6 @@
   <p:clrMapOvr>
     <a:masterClrMapping/>
   </p:clrMapOvr>
-  <p:timing>
-    <p:tnLst>
-      <p:par>
-        <p:cTn id="1" dur="indefinite" restart="never" nodeType="tmRoot"/>
-      </p:par>
-    </p:tnLst>
-  </p:timing>
 </p:sld>
 </file>
 
@@ -5665,10 +5574,9 @@
           <a:lstStyle/>
           <a:p>
             <a:r>
-              <a:rPr lang="en-US" dirty="0" smtClean="0"/>
+              <a:rPr lang="en-US" dirty="0"/>
               <a:t>Biology of Dopamine</a:t>
             </a:r>
-            <a:endParaRPr lang="en-US" dirty="0"/>
           </a:p>
         </p:txBody>
       </p:sp>
@@ -5775,13 +5683,6 @@
   <p:clrMapOvr>
     <a:masterClrMapping/>
   </p:clrMapOvr>
-  <p:timing>
-    <p:tnLst>
-      <p:par>
-        <p:cTn id="1" dur="indefinite" restart="never" nodeType="tmRoot"/>
-      </p:par>
-    </p:tnLst>
-  </p:timing>
 </p:sld>
 </file>
 
@@ -5818,10 +5719,9 @@
           <a:lstStyle/>
           <a:p>
             <a:r>
-              <a:rPr lang="en-US" dirty="0" smtClean="0"/>
+              <a:rPr lang="en-US" dirty="0"/>
               <a:t>Biology of Dopamine</a:t>
             </a:r>
-            <a:endParaRPr lang="en-US" dirty="0"/>
           </a:p>
         </p:txBody>
       </p:sp>
@@ -5888,13 +5788,6 @@
   <p:clrMapOvr>
     <a:masterClrMapping/>
   </p:clrMapOvr>
-  <p:timing>
-    <p:tnLst>
-      <p:par>
-        <p:cTn id="1" dur="indefinite" restart="never" nodeType="tmRoot"/>
-      </p:par>
-    </p:tnLst>
-  </p:timing>
 </p:sld>
 </file>
 
@@ -5931,10 +5824,9 @@
           <a:lstStyle/>
           <a:p>
             <a:r>
-              <a:rPr lang="en-US" dirty="0" smtClean="0"/>
+              <a:rPr lang="en-US" dirty="0"/>
               <a:t>BG + Cerebellum Capacities</a:t>
             </a:r>
-            <a:endParaRPr lang="en-US" dirty="0"/>
           </a:p>
         </p:txBody>
       </p:sp>
@@ -5954,30 +5846,29 @@
           <a:lstStyle/>
           <a:p>
             <a:r>
-              <a:rPr lang="en-US" dirty="0" smtClean="0"/>
+              <a:rPr lang="en-US" dirty="0"/>
               <a:t>Learn what satisfies basic needs, and what to avoid (BG reward learning)</a:t>
             </a:r>
           </a:p>
           <a:p>
             <a:pPr lvl="1"/>
             <a:r>
-              <a:rPr lang="en-US" dirty="0" smtClean="0"/>
+              <a:rPr lang="en-US" dirty="0"/>
               <a:t>And what information to maintain in working memory (PFC) to support successful behavior</a:t>
             </a:r>
           </a:p>
           <a:p>
             <a:r>
-              <a:rPr lang="en-US" dirty="0" smtClean="0"/>
+              <a:rPr lang="en-US" dirty="0"/>
               <a:t>Learn basic Sensory -&gt; Motor mappings accurately (Cerebellum error-driven learning)</a:t>
             </a:r>
           </a:p>
           <a:p>
             <a:pPr lvl="1"/>
             <a:r>
-              <a:rPr lang="en-US" dirty="0" smtClean="0"/>
+              <a:rPr lang="en-US" dirty="0"/>
               <a:t>Sensory -&gt; Sensory mappings? (what is going to happen next..)</a:t>
             </a:r>
-            <a:endParaRPr lang="en-US" dirty="0"/>
           </a:p>
         </p:txBody>
       </p:sp>
@@ -6010,13 +5901,6 @@
   <p:clrMapOvr>
     <a:masterClrMapping/>
   </p:clrMapOvr>
-  <p:timing>
-    <p:tnLst>
-      <p:par>
-        <p:cTn id="1" dur="indefinite" restart="never" nodeType="tmRoot"/>
-      </p:par>
-    </p:tnLst>
-  </p:timing>
 </p:sld>
 </file>
 
@@ -6053,10 +5937,9 @@
           <a:lstStyle/>
           <a:p>
             <a:r>
-              <a:rPr lang="en-US" dirty="0" smtClean="0"/>
+              <a:rPr lang="en-US" dirty="0"/>
               <a:t>Learning Rules Across the Brain</a:t>
             </a:r>
-            <a:endParaRPr lang="en-US" dirty="0"/>
           </a:p>
         </p:txBody>
       </p:sp>
@@ -6081,13 +5964,55 @@
                 <a:tableStyleId>{284E427A-3D55-4303-BF80-6455036E1DE7}</a:tableStyleId>
               </a:tblPr>
               <a:tblGrid>
-                <a:gridCol w="1631883"/>
-                <a:gridCol w="982798"/>
-                <a:gridCol w="770590"/>
-                <a:gridCol w="1076901"/>
-                <a:gridCol w="1230743"/>
-                <a:gridCol w="1154402"/>
-                <a:gridCol w="1154402"/>
+                <a:gridCol w="1631883">
+                  <a:extLst>
+                    <a:ext uri="{9D8B030D-6E8A-4147-A177-3AD203B41FA5}">
+                      <a16:colId xmlns:a16="http://schemas.microsoft.com/office/drawing/2014/main" val="20000"/>
+                    </a:ext>
+                  </a:extLst>
+                </a:gridCol>
+                <a:gridCol w="982798">
+                  <a:extLst>
+                    <a:ext uri="{9D8B030D-6E8A-4147-A177-3AD203B41FA5}">
+                      <a16:colId xmlns:a16="http://schemas.microsoft.com/office/drawing/2014/main" val="20001"/>
+                    </a:ext>
+                  </a:extLst>
+                </a:gridCol>
+                <a:gridCol w="770590">
+                  <a:extLst>
+                    <a:ext uri="{9D8B030D-6E8A-4147-A177-3AD203B41FA5}">
+                      <a16:colId xmlns:a16="http://schemas.microsoft.com/office/drawing/2014/main" val="20002"/>
+                    </a:ext>
+                  </a:extLst>
+                </a:gridCol>
+                <a:gridCol w="1076901">
+                  <a:extLst>
+                    <a:ext uri="{9D8B030D-6E8A-4147-A177-3AD203B41FA5}">
+                      <a16:colId xmlns:a16="http://schemas.microsoft.com/office/drawing/2014/main" val="20003"/>
+                    </a:ext>
+                  </a:extLst>
+                </a:gridCol>
+                <a:gridCol w="1230743">
+                  <a:extLst>
+                    <a:ext uri="{9D8B030D-6E8A-4147-A177-3AD203B41FA5}">
+                      <a16:colId xmlns:a16="http://schemas.microsoft.com/office/drawing/2014/main" val="20004"/>
+                    </a:ext>
+                  </a:extLst>
+                </a:gridCol>
+                <a:gridCol w="1154402">
+                  <a:extLst>
+                    <a:ext uri="{9D8B030D-6E8A-4147-A177-3AD203B41FA5}">
+                      <a16:colId xmlns:a16="http://schemas.microsoft.com/office/drawing/2014/main" val="20005"/>
+                    </a:ext>
+                  </a:extLst>
+                </a:gridCol>
+                <a:gridCol w="1154402">
+                  <a:extLst>
+                    <a:ext uri="{9D8B030D-6E8A-4147-A177-3AD203B41FA5}">
+                      <a16:colId xmlns:a16="http://schemas.microsoft.com/office/drawing/2014/main" val="20006"/>
+                    </a:ext>
+                  </a:extLst>
+                </a:gridCol>
               </a:tblGrid>
               <a:tr h="588947">
                 <a:tc>
@@ -6095,14 +6020,13 @@
                     <a:bodyPr/>
                     <a:lstStyle/>
                     <a:p>
-                      <a:endParaRPr lang="en-US" sz="1600" dirty="0" smtClean="0"/>
+                      <a:endParaRPr lang="en-US" sz="1600" dirty="0"/>
                     </a:p>
                     <a:p>
                       <a:r>
-                        <a:rPr lang="en-US" sz="1600" dirty="0" smtClean="0"/>
+                        <a:rPr lang="en-US" sz="1600" dirty="0"/>
                         <a:t>Area</a:t>
                       </a:r>
-                      <a:endParaRPr lang="en-US" sz="1600" dirty="0"/>
                     </a:p>
                   </a:txBody>
                   <a:tcPr/>
@@ -6112,14 +6036,13 @@
                     <a:bodyPr/>
                     <a:lstStyle/>
                     <a:p>
-                      <a:endParaRPr lang="en-US" sz="1600" dirty="0" smtClean="0"/>
+                      <a:endParaRPr lang="en-US" sz="1600" dirty="0"/>
                     </a:p>
                     <a:p>
                       <a:r>
-                        <a:rPr lang="en-US" sz="1600" dirty="0" smtClean="0"/>
+                        <a:rPr lang="en-US" sz="1600" dirty="0"/>
                         <a:t>Reward</a:t>
                       </a:r>
-                      <a:endParaRPr lang="en-US" sz="1600" dirty="0"/>
                     </a:p>
                   </a:txBody>
                   <a:tcPr/>
@@ -6129,14 +6052,13 @@
                     <a:bodyPr/>
                     <a:lstStyle/>
                     <a:p>
-                      <a:endParaRPr lang="en-US" sz="1600" dirty="0" smtClean="0"/>
+                      <a:endParaRPr lang="en-US" sz="1600" dirty="0"/>
                     </a:p>
                     <a:p>
                       <a:r>
-                        <a:rPr lang="en-US" sz="1600" dirty="0" smtClean="0"/>
+                        <a:rPr lang="en-US" sz="1600" dirty="0"/>
                         <a:t>Error</a:t>
                       </a:r>
-                      <a:endParaRPr lang="en-US" sz="1600" dirty="0"/>
                     </a:p>
                   </a:txBody>
                   <a:tcPr/>
@@ -6146,15 +6068,15 @@
                     <a:bodyPr/>
                     <a:lstStyle/>
                     <a:p>
-                      <a:endParaRPr lang="en-US" sz="1600" dirty="0" smtClean="0"/>
+                      <a:endParaRPr lang="en-US" sz="1600" dirty="0"/>
                     </a:p>
                     <a:p>
                       <a:r>
-                        <a:rPr lang="en-US" sz="1600" dirty="0" smtClean="0"/>
+                        <a:rPr lang="en-US" sz="1600" dirty="0"/>
                         <a:t>Self</a:t>
                       </a:r>
                       <a:r>
-                        <a:rPr lang="en-US" sz="1600" baseline="0" dirty="0" smtClean="0"/>
+                        <a:rPr lang="en-US" sz="1600" baseline="0" dirty="0"/>
                         <a:t> Org</a:t>
                       </a:r>
                       <a:endParaRPr lang="en-US" sz="1600" dirty="0"/>
@@ -6167,14 +6089,13 @@
                     <a:bodyPr/>
                     <a:lstStyle/>
                     <a:p>
-                      <a:endParaRPr lang="en-US" sz="1600" dirty="0" smtClean="0"/>
+                      <a:endParaRPr lang="en-US" sz="1600" dirty="0"/>
                     </a:p>
                     <a:p>
                       <a:r>
-                        <a:rPr lang="en-US" sz="1600" dirty="0" smtClean="0"/>
+                        <a:rPr lang="en-US" sz="1600" dirty="0"/>
                         <a:t>Separator</a:t>
                       </a:r>
-                      <a:endParaRPr lang="en-US" sz="1600" dirty="0"/>
                     </a:p>
                   </a:txBody>
                   <a:tcPr/>
@@ -6184,14 +6105,13 @@
                     <a:bodyPr/>
                     <a:lstStyle/>
                     <a:p>
-                      <a:endParaRPr lang="en-US" sz="1600" dirty="0" smtClean="0"/>
+                      <a:endParaRPr lang="en-US" sz="1600" dirty="0"/>
                     </a:p>
                     <a:p>
                       <a:r>
-                        <a:rPr lang="en-US" sz="1600" dirty="0" smtClean="0"/>
+                        <a:rPr lang="en-US" sz="1600" dirty="0"/>
                         <a:t>Integrator</a:t>
                       </a:r>
-                      <a:endParaRPr lang="en-US" sz="1600" dirty="0"/>
                     </a:p>
                   </a:txBody>
                   <a:tcPr/>
@@ -6201,18 +6121,22 @@
                     <a:bodyPr/>
                     <a:lstStyle/>
                     <a:p>
-                      <a:endParaRPr lang="en-US" sz="1600" dirty="0" smtClean="0"/>
+                      <a:endParaRPr lang="en-US" sz="1600" dirty="0"/>
                     </a:p>
                     <a:p>
                       <a:r>
-                        <a:rPr lang="en-US" sz="1600" dirty="0" smtClean="0"/>
+                        <a:rPr lang="en-US" sz="1600" dirty="0"/>
                         <a:t>Attractor</a:t>
                       </a:r>
-                      <a:endParaRPr lang="en-US" sz="1600" dirty="0"/>
                     </a:p>
                   </a:txBody>
                   <a:tcPr/>
                 </a:tc>
+                <a:extLst>
+                  <a:ext uri="{0D108BD9-81ED-4DB2-BD59-A6C34878D82A}">
+                    <a16:rowId xmlns:a16="http://schemas.microsoft.com/office/drawing/2014/main" val="10000"/>
+                  </a:ext>
+                </a:extLst>
               </a:tr>
               <a:tr h="588947">
                 <a:tc>
@@ -6221,16 +6145,15 @@
                     <a:lstStyle/>
                     <a:p>
                       <a:r>
-                        <a:rPr lang="en-US" sz="1600" i="1" dirty="0" smtClean="0"/>
+                        <a:rPr lang="en-US" sz="1600" i="1" dirty="0"/>
                         <a:t>Primitive</a:t>
                       </a:r>
                     </a:p>
                     <a:p>
                       <a:r>
-                        <a:rPr lang="en-US" sz="1600" dirty="0" smtClean="0"/>
+                        <a:rPr lang="en-US" sz="1600" dirty="0"/>
                         <a:t>  Basal Ganglia</a:t>
                       </a:r>
-                      <a:endParaRPr lang="en-US" sz="1600" dirty="0"/>
                     </a:p>
                   </a:txBody>
                   <a:tcPr/>
@@ -6240,7 +6163,7 @@
                     <a:bodyPr/>
                     <a:lstStyle/>
                     <a:p>
-                      <a:endParaRPr lang="en-US" sz="1600" dirty="0" smtClean="0">
+                      <a:endParaRPr lang="en-US" sz="1600" dirty="0">
                         <a:solidFill>
                           <a:srgbClr val="FFFF00"/>
                         </a:solidFill>
@@ -6248,18 +6171,13 @@
                     </a:p>
                     <a:p>
                       <a:r>
-                        <a:rPr lang="en-US" sz="1600" dirty="0" smtClean="0">
+                        <a:rPr lang="en-US" sz="1600" dirty="0">
                           <a:solidFill>
                             <a:srgbClr val="FFFF00"/>
                           </a:solidFill>
                         </a:rPr>
                         <a:t>+++</a:t>
                       </a:r>
-                      <a:endParaRPr lang="en-US" sz="1600" dirty="0">
-                        <a:solidFill>
-                          <a:srgbClr val="FFFF00"/>
-                        </a:solidFill>
-                      </a:endParaRPr>
                     </a:p>
                   </a:txBody>
                   <a:tcPr/>
@@ -6269,7 +6187,7 @@
                     <a:bodyPr/>
                     <a:lstStyle/>
                     <a:p>
-                      <a:endParaRPr lang="en-US" sz="1600" dirty="0" smtClean="0">
+                      <a:endParaRPr lang="en-US" sz="1600" dirty="0">
                         <a:solidFill>
                           <a:srgbClr val="FF0000"/>
                         </a:solidFill>
@@ -6277,18 +6195,13 @@
                     </a:p>
                     <a:p>
                       <a:r>
-                        <a:rPr lang="en-US" sz="1600" dirty="0" smtClean="0">
+                        <a:rPr lang="en-US" sz="1600" dirty="0">
                           <a:solidFill>
                             <a:srgbClr val="FF0000"/>
                           </a:solidFill>
                         </a:rPr>
                         <a:t>- - -</a:t>
                       </a:r>
-                      <a:endParaRPr lang="en-US" sz="1600" dirty="0">
-                        <a:solidFill>
-                          <a:srgbClr val="FF0000"/>
-                        </a:solidFill>
-                      </a:endParaRPr>
                     </a:p>
                   </a:txBody>
                   <a:tcPr/>
@@ -6298,7 +6211,7 @@
                     <a:bodyPr/>
                     <a:lstStyle/>
                     <a:p>
-                      <a:endParaRPr lang="en-US" sz="1600" dirty="0" smtClean="0">
+                      <a:endParaRPr lang="en-US" sz="1600" dirty="0">
                         <a:solidFill>
                           <a:srgbClr val="FF0000"/>
                         </a:solidFill>
@@ -6306,18 +6219,13 @@
                     </a:p>
                     <a:p>
                       <a:r>
-                        <a:rPr lang="en-US" sz="1600" dirty="0" smtClean="0">
+                        <a:rPr lang="en-US" sz="1600" dirty="0">
                           <a:solidFill>
                             <a:srgbClr val="FF0000"/>
                           </a:solidFill>
                         </a:rPr>
                         <a:t>- - -</a:t>
                       </a:r>
-                      <a:endParaRPr lang="en-US" sz="1600" dirty="0">
-                        <a:solidFill>
-                          <a:srgbClr val="FF0000"/>
-                        </a:solidFill>
-                      </a:endParaRPr>
                     </a:p>
                   </a:txBody>
                   <a:tcPr/>
@@ -6327,7 +6235,7 @@
                     <a:bodyPr/>
                     <a:lstStyle/>
                     <a:p>
-                      <a:endParaRPr lang="en-US" sz="1600" dirty="0" smtClean="0">
+                      <a:endParaRPr lang="en-US" sz="1600" dirty="0">
                         <a:solidFill>
                           <a:srgbClr val="FFFF00"/>
                         </a:solidFill>
@@ -6335,18 +6243,13 @@
                     </a:p>
                     <a:p>
                       <a:r>
-                        <a:rPr lang="en-US" sz="1600" dirty="0" smtClean="0">
+                        <a:rPr lang="en-US" sz="1600" dirty="0">
                           <a:solidFill>
                             <a:srgbClr val="FFFF00"/>
                           </a:solidFill>
                         </a:rPr>
                         <a:t>++</a:t>
                       </a:r>
-                      <a:endParaRPr lang="en-US" sz="1600" dirty="0">
-                        <a:solidFill>
-                          <a:srgbClr val="FFFF00"/>
-                        </a:solidFill>
-                      </a:endParaRPr>
                     </a:p>
                   </a:txBody>
                   <a:tcPr/>
@@ -6356,7 +6259,7 @@
                     <a:bodyPr/>
                     <a:lstStyle/>
                     <a:p>
-                      <a:endParaRPr lang="en-US" sz="1600" dirty="0" smtClean="0">
+                      <a:endParaRPr lang="en-US" sz="1600" dirty="0">
                         <a:solidFill>
                           <a:srgbClr val="FF0000"/>
                         </a:solidFill>
@@ -6364,18 +6267,13 @@
                     </a:p>
                     <a:p>
                       <a:r>
-                        <a:rPr lang="en-US" sz="1600" dirty="0" smtClean="0">
+                        <a:rPr lang="en-US" sz="1600" dirty="0">
                           <a:solidFill>
                             <a:srgbClr val="FF0000"/>
                           </a:solidFill>
                         </a:rPr>
                         <a:t>-</a:t>
                       </a:r>
-                      <a:endParaRPr lang="en-US" sz="1600" dirty="0">
-                        <a:solidFill>
-                          <a:srgbClr val="FF0000"/>
-                        </a:solidFill>
-                      </a:endParaRPr>
                     </a:p>
                   </a:txBody>
                   <a:tcPr/>
@@ -6385,7 +6283,7 @@
                     <a:bodyPr/>
                     <a:lstStyle/>
                     <a:p>
-                      <a:endParaRPr lang="en-US" sz="1600" dirty="0" smtClean="0">
+                      <a:endParaRPr lang="en-US" sz="1600" dirty="0">
                         <a:solidFill>
                           <a:srgbClr val="FF0000"/>
                         </a:solidFill>
@@ -6393,22 +6291,22 @@
                     </a:p>
                     <a:p>
                       <a:r>
-                        <a:rPr lang="en-US" sz="1600" dirty="0" smtClean="0">
+                        <a:rPr lang="en-US" sz="1600" dirty="0">
                           <a:solidFill>
                             <a:srgbClr val="FF0000"/>
                           </a:solidFill>
                         </a:rPr>
                         <a:t>- - -</a:t>
                       </a:r>
-                      <a:endParaRPr lang="en-US" sz="1600" dirty="0">
-                        <a:solidFill>
-                          <a:srgbClr val="FF0000"/>
-                        </a:solidFill>
-                      </a:endParaRPr>
                     </a:p>
                   </a:txBody>
                   <a:tcPr/>
                 </a:tc>
+                <a:extLst>
+                  <a:ext uri="{0D108BD9-81ED-4DB2-BD59-A6C34878D82A}">
+                    <a16:rowId xmlns:a16="http://schemas.microsoft.com/office/drawing/2014/main" val="10001"/>
+                  </a:ext>
+                </a:extLst>
               </a:tr>
               <a:tr h="370840">
                 <a:tc>
@@ -6417,10 +6315,9 @@
                     <a:lstStyle/>
                     <a:p>
                       <a:r>
-                        <a:rPr lang="en-US" sz="1600" dirty="0" smtClean="0"/>
+                        <a:rPr lang="en-US" sz="1600" dirty="0"/>
                         <a:t>  Cerebellum</a:t>
                       </a:r>
-                      <a:endParaRPr lang="en-US" sz="1600" dirty="0"/>
                     </a:p>
                   </a:txBody>
                   <a:tcPr/>
@@ -6431,18 +6328,13 @@
                     <a:lstStyle/>
                     <a:p>
                       <a:r>
-                        <a:rPr lang="en-US" sz="1600" dirty="0" smtClean="0">
+                        <a:rPr lang="en-US" sz="1600" dirty="0">
                           <a:solidFill>
                             <a:srgbClr val="FF0000"/>
                           </a:solidFill>
                         </a:rPr>
                         <a:t>- - -</a:t>
                       </a:r>
-                      <a:endParaRPr lang="en-US" sz="1600" dirty="0">
-                        <a:solidFill>
-                          <a:srgbClr val="FF0000"/>
-                        </a:solidFill>
-                      </a:endParaRPr>
                     </a:p>
                   </a:txBody>
                   <a:tcPr/>
@@ -6453,18 +6345,13 @@
                     <a:lstStyle/>
                     <a:p>
                       <a:r>
-                        <a:rPr lang="en-US" sz="1600" dirty="0" smtClean="0">
+                        <a:rPr lang="en-US" sz="1600" dirty="0">
                           <a:solidFill>
                             <a:srgbClr val="FFFF00"/>
                           </a:solidFill>
                         </a:rPr>
                         <a:t>+++</a:t>
                       </a:r>
-                      <a:endParaRPr lang="en-US" sz="1600" dirty="0">
-                        <a:solidFill>
-                          <a:srgbClr val="FFFF00"/>
-                        </a:solidFill>
-                      </a:endParaRPr>
                     </a:p>
                   </a:txBody>
                   <a:tcPr/>
@@ -6475,18 +6362,13 @@
                     <a:lstStyle/>
                     <a:p>
                       <a:r>
-                        <a:rPr lang="en-US" sz="1600" dirty="0" smtClean="0">
+                        <a:rPr lang="en-US" sz="1600" dirty="0">
                           <a:solidFill>
                             <a:srgbClr val="FF0000"/>
                           </a:solidFill>
                         </a:rPr>
                         <a:t>- - -</a:t>
                       </a:r>
-                      <a:endParaRPr lang="en-US" sz="1600" dirty="0">
-                        <a:solidFill>
-                          <a:srgbClr val="FF0000"/>
-                        </a:solidFill>
-                      </a:endParaRPr>
                     </a:p>
                   </a:txBody>
                   <a:tcPr/>
@@ -6497,18 +6379,13 @@
                     <a:lstStyle/>
                     <a:p>
                       <a:r>
-                        <a:rPr lang="en-US" sz="1600" dirty="0" smtClean="0">
+                        <a:rPr lang="en-US" sz="1600" dirty="0">
                           <a:solidFill>
                             <a:srgbClr val="FFFF00"/>
                           </a:solidFill>
                         </a:rPr>
                         <a:t>+++</a:t>
                       </a:r>
-                      <a:endParaRPr lang="en-US" sz="1600" dirty="0">
-                        <a:solidFill>
-                          <a:srgbClr val="FFFF00"/>
-                        </a:solidFill>
-                      </a:endParaRPr>
                     </a:p>
                   </a:txBody>
                   <a:tcPr/>
@@ -6519,18 +6396,13 @@
                     <a:lstStyle/>
                     <a:p>
                       <a:r>
-                        <a:rPr lang="en-US" sz="1600" dirty="0" smtClean="0">
+                        <a:rPr lang="en-US" sz="1600" dirty="0">
                           <a:solidFill>
                             <a:srgbClr val="FF0000"/>
                           </a:solidFill>
                         </a:rPr>
                         <a:t>- - -</a:t>
                       </a:r>
-                      <a:endParaRPr lang="en-US" sz="1600" dirty="0">
-                        <a:solidFill>
-                          <a:srgbClr val="FF0000"/>
-                        </a:solidFill>
-                      </a:endParaRPr>
                     </a:p>
                   </a:txBody>
                   <a:tcPr/>
@@ -6541,22 +6413,22 @@
                     <a:lstStyle/>
                     <a:p>
                       <a:r>
-                        <a:rPr lang="en-US" sz="1600" dirty="0" smtClean="0">
+                        <a:rPr lang="en-US" sz="1600" dirty="0">
                           <a:solidFill>
                             <a:srgbClr val="FF0000"/>
                           </a:solidFill>
                         </a:rPr>
                         <a:t>- - -</a:t>
                       </a:r>
-                      <a:endParaRPr lang="en-US" sz="1600" dirty="0">
-                        <a:solidFill>
-                          <a:srgbClr val="FF0000"/>
-                        </a:solidFill>
-                      </a:endParaRPr>
                     </a:p>
                   </a:txBody>
                   <a:tcPr/>
                 </a:tc>
+                <a:extLst>
+                  <a:ext uri="{0D108BD9-81ED-4DB2-BD59-A6C34878D82A}">
+                    <a16:rowId xmlns:a16="http://schemas.microsoft.com/office/drawing/2014/main" val="10002"/>
+                  </a:ext>
+                </a:extLst>
               </a:tr>
               <a:tr h="588947">
                 <a:tc>
@@ -6565,16 +6437,15 @@
                     <a:lstStyle/>
                     <a:p>
                       <a:r>
-                        <a:rPr lang="en-US" sz="1600" i="1" dirty="0" smtClean="0"/>
+                        <a:rPr lang="en-US" sz="1600" i="1" dirty="0"/>
                         <a:t>Advanced</a:t>
                       </a:r>
                     </a:p>
                     <a:p>
                       <a:r>
-                        <a:rPr lang="en-US" sz="1600" dirty="0" smtClean="0"/>
+                        <a:rPr lang="en-US" sz="1600" dirty="0"/>
                         <a:t>  Hippocampus</a:t>
                       </a:r>
-                      <a:endParaRPr lang="en-US" sz="1600" dirty="0"/>
                     </a:p>
                   </a:txBody>
                   <a:tcPr/>
@@ -6584,7 +6455,7 @@
                     <a:bodyPr/>
                     <a:lstStyle/>
                     <a:p>
-                      <a:endParaRPr lang="en-US" sz="1600" dirty="0" smtClean="0">
+                      <a:endParaRPr lang="en-US" sz="1600" dirty="0">
                         <a:solidFill>
                           <a:srgbClr val="FFFF00"/>
                         </a:solidFill>
@@ -6592,18 +6463,13 @@
                     </a:p>
                     <a:p>
                       <a:r>
-                        <a:rPr lang="en-US" sz="1600" dirty="0" smtClean="0">
+                        <a:rPr lang="en-US" sz="1600" dirty="0">
                           <a:solidFill>
                             <a:srgbClr val="FFFF00"/>
                           </a:solidFill>
                         </a:rPr>
                         <a:t>+</a:t>
                       </a:r>
-                      <a:endParaRPr lang="en-US" sz="1600" dirty="0">
-                        <a:solidFill>
-                          <a:srgbClr val="FFFF00"/>
-                        </a:solidFill>
-                      </a:endParaRPr>
                     </a:p>
                   </a:txBody>
                   <a:tcPr/>
@@ -6613,7 +6479,7 @@
                     <a:bodyPr/>
                     <a:lstStyle/>
                     <a:p>
-                      <a:endParaRPr lang="en-US" sz="1600" dirty="0" smtClean="0">
+                      <a:endParaRPr lang="en-US" sz="1600" dirty="0">
                         <a:solidFill>
                           <a:srgbClr val="FFFF00"/>
                         </a:solidFill>
@@ -6621,18 +6487,13 @@
                     </a:p>
                     <a:p>
                       <a:r>
-                        <a:rPr lang="en-US" sz="1600" dirty="0" smtClean="0">
+                        <a:rPr lang="en-US" sz="1600" dirty="0">
                           <a:solidFill>
                             <a:srgbClr val="FFFF00"/>
                           </a:solidFill>
                         </a:rPr>
                         <a:t>+</a:t>
                       </a:r>
-                      <a:endParaRPr lang="en-US" sz="1600" dirty="0">
-                        <a:solidFill>
-                          <a:srgbClr val="FFFF00"/>
-                        </a:solidFill>
-                      </a:endParaRPr>
                     </a:p>
                   </a:txBody>
                   <a:tcPr/>
@@ -6642,7 +6503,7 @@
                     <a:bodyPr/>
                     <a:lstStyle/>
                     <a:p>
-                      <a:endParaRPr lang="en-US" sz="1600" dirty="0" smtClean="0">
+                      <a:endParaRPr lang="en-US" sz="1600" dirty="0">
                         <a:solidFill>
                           <a:srgbClr val="FFFF00"/>
                         </a:solidFill>
@@ -6650,18 +6511,13 @@
                     </a:p>
                     <a:p>
                       <a:r>
-                        <a:rPr lang="en-US" sz="1600" dirty="0" smtClean="0">
+                        <a:rPr lang="en-US" sz="1600" dirty="0">
                           <a:solidFill>
                             <a:srgbClr val="FFFF00"/>
                           </a:solidFill>
                         </a:rPr>
                         <a:t>+++</a:t>
                       </a:r>
-                      <a:endParaRPr lang="en-US" sz="1600" dirty="0">
-                        <a:solidFill>
-                          <a:srgbClr val="FFFF00"/>
-                        </a:solidFill>
-                      </a:endParaRPr>
                     </a:p>
                   </a:txBody>
                   <a:tcPr/>
@@ -6671,7 +6527,7 @@
                     <a:bodyPr/>
                     <a:lstStyle/>
                     <a:p>
-                      <a:endParaRPr lang="en-US" sz="1600" dirty="0" smtClean="0">
+                      <a:endParaRPr lang="en-US" sz="1600" dirty="0">
                         <a:solidFill>
                           <a:srgbClr val="FFFF00"/>
                         </a:solidFill>
@@ -6679,18 +6535,13 @@
                     </a:p>
                     <a:p>
                       <a:r>
-                        <a:rPr lang="en-US" sz="1600" dirty="0" smtClean="0">
+                        <a:rPr lang="en-US" sz="1600" dirty="0">
                           <a:solidFill>
                             <a:srgbClr val="FFFF00"/>
                           </a:solidFill>
                         </a:rPr>
                         <a:t>+++</a:t>
                       </a:r>
-                      <a:endParaRPr lang="en-US" sz="1600" dirty="0">
-                        <a:solidFill>
-                          <a:srgbClr val="FFFF00"/>
-                        </a:solidFill>
-                      </a:endParaRPr>
                     </a:p>
                   </a:txBody>
                   <a:tcPr/>
@@ -6700,7 +6551,7 @@
                     <a:bodyPr/>
                     <a:lstStyle/>
                     <a:p>
-                      <a:endParaRPr lang="en-US" sz="1600" dirty="0" smtClean="0">
+                      <a:endParaRPr lang="en-US" sz="1600" dirty="0">
                         <a:solidFill>
                           <a:srgbClr val="FF0000"/>
                         </a:solidFill>
@@ -6708,18 +6559,13 @@
                     </a:p>
                     <a:p>
                       <a:r>
-                        <a:rPr lang="en-US" sz="1600" dirty="0" smtClean="0">
+                        <a:rPr lang="en-US" sz="1600" dirty="0">
                           <a:solidFill>
                             <a:srgbClr val="FF0000"/>
                           </a:solidFill>
                         </a:rPr>
                         <a:t>- - -</a:t>
                       </a:r>
-                      <a:endParaRPr lang="en-US" sz="1600" dirty="0">
-                        <a:solidFill>
-                          <a:srgbClr val="FF0000"/>
-                        </a:solidFill>
-                      </a:endParaRPr>
                     </a:p>
                   </a:txBody>
                   <a:tcPr/>
@@ -6729,7 +6575,7 @@
                     <a:bodyPr/>
                     <a:lstStyle/>
                     <a:p>
-                      <a:endParaRPr lang="en-US" sz="1600" dirty="0" smtClean="0">
+                      <a:endParaRPr lang="en-US" sz="1600" dirty="0">
                         <a:solidFill>
                           <a:srgbClr val="FFFF00"/>
                         </a:solidFill>
@@ -6737,22 +6583,22 @@
                     </a:p>
                     <a:p>
                       <a:r>
-                        <a:rPr lang="en-US" sz="1600" dirty="0" smtClean="0">
+                        <a:rPr lang="en-US" sz="1600" dirty="0">
                           <a:solidFill>
                             <a:srgbClr val="FFFF00"/>
                           </a:solidFill>
                         </a:rPr>
                         <a:t>+++</a:t>
                       </a:r>
-                      <a:endParaRPr lang="en-US" sz="1600" dirty="0">
-                        <a:solidFill>
-                          <a:srgbClr val="FFFF00"/>
-                        </a:solidFill>
-                      </a:endParaRPr>
                     </a:p>
                   </a:txBody>
                   <a:tcPr/>
                 </a:tc>
+                <a:extLst>
+                  <a:ext uri="{0D108BD9-81ED-4DB2-BD59-A6C34878D82A}">
+                    <a16:rowId xmlns:a16="http://schemas.microsoft.com/office/drawing/2014/main" val="10003"/>
+                  </a:ext>
+                </a:extLst>
               </a:tr>
               <a:tr h="370840">
                 <a:tc>
@@ -6761,11 +6607,11 @@
                     <a:lstStyle/>
                     <a:p>
                       <a:r>
-                        <a:rPr lang="en-US" sz="1600" dirty="0" smtClean="0"/>
+                        <a:rPr lang="en-US" sz="1600" dirty="0"/>
                         <a:t>  </a:t>
                       </a:r>
                       <a:r>
-                        <a:rPr lang="en-US" sz="1600" dirty="0" err="1" smtClean="0"/>
+                        <a:rPr lang="en-US" sz="1600" dirty="0" err="1"/>
                         <a:t>Neocortex</a:t>
                       </a:r>
                       <a:endParaRPr lang="en-US" sz="1600" dirty="0"/>
@@ -6779,18 +6625,13 @@
                     <a:lstStyle/>
                     <a:p>
                       <a:r>
-                        <a:rPr lang="en-US" sz="1600" dirty="0" smtClean="0">
+                        <a:rPr lang="en-US" sz="1600" dirty="0">
                           <a:solidFill>
                             <a:srgbClr val="FFFF00"/>
                           </a:solidFill>
                         </a:rPr>
                         <a:t>++</a:t>
                       </a:r>
-                      <a:endParaRPr lang="en-US" sz="1600" dirty="0">
-                        <a:solidFill>
-                          <a:srgbClr val="FFFF00"/>
-                        </a:solidFill>
-                      </a:endParaRPr>
                     </a:p>
                   </a:txBody>
                   <a:tcPr/>
@@ -6801,18 +6642,13 @@
                     <a:lstStyle/>
                     <a:p>
                       <a:r>
-                        <a:rPr lang="en-US" sz="1600" dirty="0" smtClean="0">
+                        <a:rPr lang="en-US" sz="1600" dirty="0">
                           <a:solidFill>
                             <a:srgbClr val="FFFF00"/>
                           </a:solidFill>
                         </a:rPr>
                         <a:t>+++</a:t>
                       </a:r>
-                      <a:endParaRPr lang="en-US" sz="1600" dirty="0">
-                        <a:solidFill>
-                          <a:srgbClr val="FFFF00"/>
-                        </a:solidFill>
-                      </a:endParaRPr>
                     </a:p>
                   </a:txBody>
                   <a:tcPr/>
@@ -6823,18 +6659,13 @@
                     <a:lstStyle/>
                     <a:p>
                       <a:r>
-                        <a:rPr lang="en-US" sz="1600" dirty="0" smtClean="0">
+                        <a:rPr lang="en-US" sz="1600" dirty="0">
                           <a:solidFill>
                             <a:srgbClr val="FFFF00"/>
                           </a:solidFill>
                         </a:rPr>
                         <a:t>++</a:t>
                       </a:r>
-                      <a:endParaRPr lang="en-US" sz="1600" dirty="0">
-                        <a:solidFill>
-                          <a:srgbClr val="FFFF00"/>
-                        </a:solidFill>
-                      </a:endParaRPr>
                     </a:p>
                   </a:txBody>
                   <a:tcPr/>
@@ -6845,18 +6676,13 @@
                     <a:lstStyle/>
                     <a:p>
                       <a:r>
-                        <a:rPr lang="en-US" sz="1600" dirty="0" smtClean="0">
+                        <a:rPr lang="en-US" sz="1600" dirty="0">
                           <a:solidFill>
                             <a:srgbClr val="FF0000"/>
                           </a:solidFill>
                         </a:rPr>
                         <a:t>- - -</a:t>
                       </a:r>
-                      <a:endParaRPr lang="en-US" sz="1600" dirty="0">
-                        <a:solidFill>
-                          <a:srgbClr val="FF0000"/>
-                        </a:solidFill>
-                      </a:endParaRPr>
                     </a:p>
                   </a:txBody>
                   <a:tcPr/>
@@ -6867,18 +6693,13 @@
                     <a:lstStyle/>
                     <a:p>
                       <a:r>
-                        <a:rPr lang="en-US" sz="1600" dirty="0" smtClean="0">
+                        <a:rPr lang="en-US" sz="1600" dirty="0">
                           <a:solidFill>
                             <a:srgbClr val="FFFF00"/>
                           </a:solidFill>
                         </a:rPr>
                         <a:t>+++</a:t>
                       </a:r>
-                      <a:endParaRPr lang="en-US" sz="1600" dirty="0">
-                        <a:solidFill>
-                          <a:srgbClr val="FFFF00"/>
-                        </a:solidFill>
-                      </a:endParaRPr>
                     </a:p>
                   </a:txBody>
                   <a:tcPr/>
@@ -6889,22 +6710,22 @@
                     <a:lstStyle/>
                     <a:p>
                       <a:r>
-                        <a:rPr lang="en-US" sz="1600" dirty="0" smtClean="0">
+                        <a:rPr lang="en-US" sz="1600" dirty="0">
                           <a:solidFill>
                             <a:srgbClr val="FFFF00"/>
                           </a:solidFill>
                         </a:rPr>
                         <a:t>+++</a:t>
                       </a:r>
-                      <a:endParaRPr lang="en-US" sz="1600" dirty="0">
-                        <a:solidFill>
-                          <a:srgbClr val="FFFF00"/>
-                        </a:solidFill>
-                      </a:endParaRPr>
                     </a:p>
                   </a:txBody>
                   <a:tcPr/>
                 </a:tc>
+                <a:extLst>
+                  <a:ext uri="{0D108BD9-81ED-4DB2-BD59-A6C34878D82A}">
+                    <a16:rowId xmlns:a16="http://schemas.microsoft.com/office/drawing/2014/main" val="10004"/>
+                  </a:ext>
+                </a:extLst>
               </a:tr>
             </a:tbl>
           </a:graphicData>
@@ -6962,7 +6783,7 @@
           <a:lstStyle/>
           <a:p>
             <a:r>
-              <a:rPr lang="en-US" dirty="0" smtClean="0">
+              <a:rPr lang="en-US" dirty="0">
                 <a:solidFill>
                   <a:srgbClr val="FFFF00"/>
                 </a:solidFill>
@@ -6970,11 +6791,11 @@
               <a:t>+</a:t>
             </a:r>
             <a:r>
-              <a:rPr lang="en-US" dirty="0" smtClean="0"/>
+              <a:rPr lang="en-US" dirty="0"/>
               <a:t> = has to some extent   …  </a:t>
             </a:r>
             <a:r>
-              <a:rPr lang="en-US" dirty="0" smtClean="0">
+              <a:rPr lang="en-US" dirty="0">
                 <a:solidFill>
                   <a:srgbClr val="FFFF00"/>
                 </a:solidFill>
@@ -6982,13 +6803,13 @@
               <a:t>+++</a:t>
             </a:r>
             <a:r>
-              <a:rPr lang="en-US" dirty="0" smtClean="0"/>
+              <a:rPr lang="en-US" dirty="0"/>
               <a:t> = defining characteristic – definitely has</a:t>
             </a:r>
           </a:p>
           <a:p>
             <a:r>
-              <a:rPr lang="en-US" dirty="0" smtClean="0">
+              <a:rPr lang="en-US" dirty="0">
                 <a:solidFill>
                   <a:srgbClr val="FF0000"/>
                 </a:solidFill>
@@ -6996,11 +6817,11 @@
               <a:t>-</a:t>
             </a:r>
             <a:r>
-              <a:rPr lang="en-US" dirty="0" smtClean="0"/>
+              <a:rPr lang="en-US" dirty="0"/>
               <a:t>  = not likely to have       …  </a:t>
             </a:r>
             <a:r>
-              <a:rPr lang="en-US" dirty="0" smtClean="0">
+              <a:rPr lang="en-US" dirty="0">
                 <a:solidFill>
                   <a:srgbClr val="FF0000"/>
                 </a:solidFill>
@@ -7008,7 +6829,7 @@
               <a:t>- - -</a:t>
             </a:r>
             <a:r>
-              <a:rPr lang="en-US" dirty="0" smtClean="0"/>
+              <a:rPr lang="en-US" dirty="0"/>
               <a:t> = definitely does not have</a:t>
             </a:r>
           </a:p>
@@ -7037,18 +6858,13 @@
           <a:lstStyle/>
           <a:p>
             <a:r>
-              <a:rPr lang="en-US" i="1" dirty="0" smtClean="0">
+              <a:rPr lang="en-US" i="1" dirty="0">
                 <a:solidFill>
                   <a:schemeClr val="bg1"/>
                 </a:solidFill>
               </a:rPr>
               <a:t>Learning Signal</a:t>
             </a:r>
-            <a:endParaRPr lang="en-US" i="1" dirty="0">
-              <a:solidFill>
-                <a:schemeClr val="bg1"/>
-              </a:solidFill>
-            </a:endParaRPr>
           </a:p>
         </p:txBody>
       </p:sp>
@@ -7075,18 +6891,13 @@
           <a:lstStyle/>
           <a:p>
             <a:r>
-              <a:rPr lang="en-US" i="1" dirty="0" smtClean="0">
+              <a:rPr lang="en-US" i="1" dirty="0">
                 <a:solidFill>
                   <a:schemeClr val="bg1"/>
                 </a:solidFill>
               </a:rPr>
               <a:t>Dynamics</a:t>
             </a:r>
-            <a:endParaRPr lang="en-US" i="1" dirty="0">
-              <a:solidFill>
-                <a:schemeClr val="bg1"/>
-              </a:solidFill>
-            </a:endParaRPr>
           </a:p>
         </p:txBody>
       </p:sp>
@@ -7095,13 +6906,6 @@
   <p:clrMapOvr>
     <a:masterClrMapping/>
   </p:clrMapOvr>
-  <p:timing>
-    <p:tnLst>
-      <p:par>
-        <p:cTn id="1" dur="indefinite" restart="never" nodeType="tmRoot"/>
-      </p:par>
-    </p:tnLst>
-  </p:timing>
 </p:sld>
 </file>
 
@@ -7138,10 +6942,9 @@
           <a:lstStyle/>
           <a:p>
             <a:r>
-              <a:rPr lang="en-US" dirty="0" smtClean="0"/>
+              <a:rPr lang="en-US" dirty="0"/>
               <a:t>BG + Cerebellum Incapacities</a:t>
             </a:r>
-            <a:endParaRPr lang="en-US" dirty="0"/>
           </a:p>
         </p:txBody>
       </p:sp>
@@ -7161,53 +6964,53 @@
           <a:lstStyle/>
           <a:p>
             <a:r>
-              <a:rPr lang="en-US" dirty="0" smtClean="0"/>
+              <a:rPr lang="en-US" dirty="0"/>
               <a:t>Generalize knowledge to novel situations</a:t>
             </a:r>
           </a:p>
           <a:p>
             <a:pPr lvl="1"/>
             <a:r>
-              <a:rPr lang="en-US" dirty="0" smtClean="0"/>
+              <a:rPr lang="en-US" dirty="0"/>
               <a:t>Lookup tables don’t generalize well..</a:t>
             </a:r>
           </a:p>
           <a:p>
             <a:r>
-              <a:rPr lang="en-US" dirty="0" smtClean="0"/>
+              <a:rPr lang="en-US" dirty="0"/>
               <a:t>Learn abstract semantics</a:t>
             </a:r>
           </a:p>
           <a:p>
             <a:pPr lvl="1"/>
             <a:r>
-              <a:rPr lang="en-US" dirty="0" smtClean="0"/>
+              <a:rPr lang="en-US" dirty="0"/>
               <a:t>Statistical regularities, higher-order categories, etc</a:t>
             </a:r>
           </a:p>
           <a:p>
             <a:r>
-              <a:rPr lang="en-US" dirty="0" smtClean="0"/>
+              <a:rPr lang="en-US" dirty="0"/>
               <a:t>Encode episodic memories (specific events)</a:t>
             </a:r>
           </a:p>
           <a:p>
             <a:pPr lvl="1"/>
             <a:r>
-              <a:rPr lang="en-US" dirty="0" smtClean="0"/>
+              <a:rPr lang="en-US" dirty="0"/>
               <a:t>Useful for instance-based reasoning</a:t>
             </a:r>
           </a:p>
           <a:p>
             <a:r>
-              <a:rPr lang="en-US" dirty="0" smtClean="0"/>
+              <a:rPr lang="en-US" dirty="0"/>
               <a:t>Plan, anticipate, simulate, etc..</a:t>
             </a:r>
           </a:p>
           <a:p>
             <a:pPr lvl="1"/>
             <a:r>
-              <a:rPr lang="en-US" dirty="0" smtClean="0"/>
+              <a:rPr lang="en-US" dirty="0"/>
               <a:t>Requires robust working memory</a:t>
             </a:r>
           </a:p>
@@ -7242,13 +7045,6 @@
   <p:clrMapOvr>
     <a:masterClrMapping/>
   </p:clrMapOvr>
-  <p:timing>
-    <p:tnLst>
-      <p:par>
-        <p:cTn id="1" dur="indefinite" restart="never" nodeType="tmRoot"/>
-      </p:par>
-    </p:tnLst>
-  </p:timing>
 </p:sld>
 </file>
 
@@ -7285,10 +7081,9 @@
           <a:lstStyle/>
           <a:p>
             <a:r>
-              <a:rPr lang="en-US" dirty="0" smtClean="0"/>
+              <a:rPr lang="en-US" dirty="0"/>
               <a:t>Primitive, Basic Learning..</a:t>
             </a:r>
-            <a:endParaRPr lang="en-US" dirty="0"/>
           </a:p>
         </p:txBody>
       </p:sp>
@@ -7313,13 +7108,55 @@
                 <a:tableStyleId>{284E427A-3D55-4303-BF80-6455036E1DE7}</a:tableStyleId>
               </a:tblPr>
               <a:tblGrid>
-                <a:gridCol w="1631883"/>
-                <a:gridCol w="982798"/>
-                <a:gridCol w="770590"/>
-                <a:gridCol w="1076901"/>
-                <a:gridCol w="1230743"/>
-                <a:gridCol w="1154402"/>
-                <a:gridCol w="1154402"/>
+                <a:gridCol w="1631883">
+                  <a:extLst>
+                    <a:ext uri="{9D8B030D-6E8A-4147-A177-3AD203B41FA5}">
+                      <a16:colId xmlns:a16="http://schemas.microsoft.com/office/drawing/2014/main" val="20000"/>
+                    </a:ext>
+                  </a:extLst>
+                </a:gridCol>
+                <a:gridCol w="982798">
+                  <a:extLst>
+                    <a:ext uri="{9D8B030D-6E8A-4147-A177-3AD203B41FA5}">
+                      <a16:colId xmlns:a16="http://schemas.microsoft.com/office/drawing/2014/main" val="20001"/>
+                    </a:ext>
+                  </a:extLst>
+                </a:gridCol>
+                <a:gridCol w="770590">
+                  <a:extLst>
+                    <a:ext uri="{9D8B030D-6E8A-4147-A177-3AD203B41FA5}">
+                      <a16:colId xmlns:a16="http://schemas.microsoft.com/office/drawing/2014/main" val="20002"/>
+                    </a:ext>
+                  </a:extLst>
+                </a:gridCol>
+                <a:gridCol w="1076901">
+                  <a:extLst>
+                    <a:ext uri="{9D8B030D-6E8A-4147-A177-3AD203B41FA5}">
+                      <a16:colId xmlns:a16="http://schemas.microsoft.com/office/drawing/2014/main" val="20003"/>
+                    </a:ext>
+                  </a:extLst>
+                </a:gridCol>
+                <a:gridCol w="1230743">
+                  <a:extLst>
+                    <a:ext uri="{9D8B030D-6E8A-4147-A177-3AD203B41FA5}">
+                      <a16:colId xmlns:a16="http://schemas.microsoft.com/office/drawing/2014/main" val="20004"/>
+                    </a:ext>
+                  </a:extLst>
+                </a:gridCol>
+                <a:gridCol w="1154402">
+                  <a:extLst>
+                    <a:ext uri="{9D8B030D-6E8A-4147-A177-3AD203B41FA5}">
+                      <a16:colId xmlns:a16="http://schemas.microsoft.com/office/drawing/2014/main" val="20005"/>
+                    </a:ext>
+                  </a:extLst>
+                </a:gridCol>
+                <a:gridCol w="1154402">
+                  <a:extLst>
+                    <a:ext uri="{9D8B030D-6E8A-4147-A177-3AD203B41FA5}">
+                      <a16:colId xmlns:a16="http://schemas.microsoft.com/office/drawing/2014/main" val="20006"/>
+                    </a:ext>
+                  </a:extLst>
+                </a:gridCol>
               </a:tblGrid>
               <a:tr h="588947">
                 <a:tc>
@@ -7327,14 +7164,13 @@
                     <a:bodyPr/>
                     <a:lstStyle/>
                     <a:p>
-                      <a:endParaRPr lang="en-US" sz="1600" dirty="0" smtClean="0"/>
+                      <a:endParaRPr lang="en-US" sz="1600" dirty="0"/>
                     </a:p>
                     <a:p>
                       <a:r>
-                        <a:rPr lang="en-US" sz="1600" dirty="0" smtClean="0"/>
+                        <a:rPr lang="en-US" sz="1600" dirty="0"/>
                         <a:t>Area</a:t>
                       </a:r>
-                      <a:endParaRPr lang="en-US" sz="1600" dirty="0"/>
                     </a:p>
                   </a:txBody>
                   <a:tcPr/>
@@ -7344,14 +7180,13 @@
                     <a:bodyPr/>
                     <a:lstStyle/>
                     <a:p>
-                      <a:endParaRPr lang="en-US" sz="1600" dirty="0" smtClean="0"/>
+                      <a:endParaRPr lang="en-US" sz="1600" dirty="0"/>
                     </a:p>
                     <a:p>
                       <a:r>
-                        <a:rPr lang="en-US" sz="1600" dirty="0" smtClean="0"/>
+                        <a:rPr lang="en-US" sz="1600" dirty="0"/>
                         <a:t>Reward</a:t>
                       </a:r>
-                      <a:endParaRPr lang="en-US" sz="1600" dirty="0"/>
                     </a:p>
                   </a:txBody>
                   <a:tcPr/>
@@ -7361,14 +7196,13 @@
                     <a:bodyPr/>
                     <a:lstStyle/>
                     <a:p>
-                      <a:endParaRPr lang="en-US" sz="1600" dirty="0" smtClean="0"/>
+                      <a:endParaRPr lang="en-US" sz="1600" dirty="0"/>
                     </a:p>
                     <a:p>
                       <a:r>
-                        <a:rPr lang="en-US" sz="1600" dirty="0" smtClean="0"/>
+                        <a:rPr lang="en-US" sz="1600" dirty="0"/>
                         <a:t>Error</a:t>
                       </a:r>
-                      <a:endParaRPr lang="en-US" sz="1600" dirty="0"/>
                     </a:p>
                   </a:txBody>
                   <a:tcPr/>
@@ -7378,15 +7212,15 @@
                     <a:bodyPr/>
                     <a:lstStyle/>
                     <a:p>
-                      <a:endParaRPr lang="en-US" sz="1600" dirty="0" smtClean="0"/>
+                      <a:endParaRPr lang="en-US" sz="1600" dirty="0"/>
                     </a:p>
                     <a:p>
                       <a:r>
-                        <a:rPr lang="en-US" sz="1600" dirty="0" smtClean="0"/>
+                        <a:rPr lang="en-US" sz="1600" dirty="0"/>
                         <a:t>Self</a:t>
                       </a:r>
                       <a:r>
-                        <a:rPr lang="en-US" sz="1600" baseline="0" dirty="0" smtClean="0"/>
+                        <a:rPr lang="en-US" sz="1600" baseline="0" dirty="0"/>
                         <a:t> Org</a:t>
                       </a:r>
                       <a:endParaRPr lang="en-US" sz="1600" dirty="0"/>
@@ -7399,14 +7233,13 @@
                     <a:bodyPr/>
                     <a:lstStyle/>
                     <a:p>
-                      <a:endParaRPr lang="en-US" sz="1600" dirty="0" smtClean="0"/>
+                      <a:endParaRPr lang="en-US" sz="1600" dirty="0"/>
                     </a:p>
                     <a:p>
                       <a:r>
-                        <a:rPr lang="en-US" sz="1600" dirty="0" smtClean="0"/>
+                        <a:rPr lang="en-US" sz="1600" dirty="0"/>
                         <a:t>Separator</a:t>
                       </a:r>
-                      <a:endParaRPr lang="en-US" sz="1600" dirty="0"/>
                     </a:p>
                   </a:txBody>
                   <a:tcPr/>
@@ -7416,14 +7249,13 @@
                     <a:bodyPr/>
                     <a:lstStyle/>
                     <a:p>
-                      <a:endParaRPr lang="en-US" sz="1600" dirty="0" smtClean="0"/>
+                      <a:endParaRPr lang="en-US" sz="1600" dirty="0"/>
                     </a:p>
                     <a:p>
                       <a:r>
-                        <a:rPr lang="en-US" sz="1600" dirty="0" smtClean="0"/>
+                        <a:rPr lang="en-US" sz="1600" dirty="0"/>
                         <a:t>Integrator</a:t>
                       </a:r>
-                      <a:endParaRPr lang="en-US" sz="1600" dirty="0"/>
                     </a:p>
                   </a:txBody>
                   <a:tcPr/>
@@ -7433,18 +7265,22 @@
                     <a:bodyPr/>
                     <a:lstStyle/>
                     <a:p>
-                      <a:endParaRPr lang="en-US" sz="1600" dirty="0" smtClean="0"/>
+                      <a:endParaRPr lang="en-US" sz="1600" dirty="0"/>
                     </a:p>
                     <a:p>
                       <a:r>
-                        <a:rPr lang="en-US" sz="1600" dirty="0" smtClean="0"/>
+                        <a:rPr lang="en-US" sz="1600" dirty="0"/>
                         <a:t>Attractor</a:t>
                       </a:r>
-                      <a:endParaRPr lang="en-US" sz="1600" dirty="0"/>
                     </a:p>
                   </a:txBody>
                   <a:tcPr/>
                 </a:tc>
+                <a:extLst>
+                  <a:ext uri="{0D108BD9-81ED-4DB2-BD59-A6C34878D82A}">
+                    <a16:rowId xmlns:a16="http://schemas.microsoft.com/office/drawing/2014/main" val="10000"/>
+                  </a:ext>
+                </a:extLst>
               </a:tr>
               <a:tr h="588947">
                 <a:tc>
@@ -7453,16 +7289,15 @@
                     <a:lstStyle/>
                     <a:p>
                       <a:r>
-                        <a:rPr lang="en-US" sz="1600" i="1" dirty="0" smtClean="0"/>
+                        <a:rPr lang="en-US" sz="1600" i="1" dirty="0"/>
                         <a:t>Primitive</a:t>
                       </a:r>
                     </a:p>
                     <a:p>
                       <a:r>
-                        <a:rPr lang="en-US" sz="1600" dirty="0" smtClean="0"/>
+                        <a:rPr lang="en-US" sz="1600" dirty="0"/>
                         <a:t>  Basal Ganglia</a:t>
                       </a:r>
-                      <a:endParaRPr lang="en-US" sz="1600" dirty="0"/>
                     </a:p>
                   </a:txBody>
                   <a:tcPr/>
@@ -7472,7 +7307,7 @@
                     <a:bodyPr/>
                     <a:lstStyle/>
                     <a:p>
-                      <a:endParaRPr lang="en-US" sz="1600" dirty="0" smtClean="0">
+                      <a:endParaRPr lang="en-US" sz="1600" dirty="0">
                         <a:solidFill>
                           <a:srgbClr val="FFFF00"/>
                         </a:solidFill>
@@ -7480,18 +7315,13 @@
                     </a:p>
                     <a:p>
                       <a:r>
-                        <a:rPr lang="en-US" sz="1600" dirty="0" smtClean="0">
+                        <a:rPr lang="en-US" sz="1600" dirty="0">
                           <a:solidFill>
                             <a:srgbClr val="FFFF00"/>
                           </a:solidFill>
                         </a:rPr>
                         <a:t>+++</a:t>
                       </a:r>
-                      <a:endParaRPr lang="en-US" sz="1600" dirty="0">
-                        <a:solidFill>
-                          <a:srgbClr val="FFFF00"/>
-                        </a:solidFill>
-                      </a:endParaRPr>
                     </a:p>
                   </a:txBody>
                   <a:tcPr/>
@@ -7501,7 +7331,7 @@
                     <a:bodyPr/>
                     <a:lstStyle/>
                     <a:p>
-                      <a:endParaRPr lang="en-US" sz="1600" dirty="0" smtClean="0">
+                      <a:endParaRPr lang="en-US" sz="1600" dirty="0">
                         <a:solidFill>
                           <a:srgbClr val="FF0000"/>
                         </a:solidFill>
@@ -7509,18 +7339,13 @@
                     </a:p>
                     <a:p>
                       <a:r>
-                        <a:rPr lang="en-US" sz="1600" dirty="0" smtClean="0">
+                        <a:rPr lang="en-US" sz="1600" dirty="0">
                           <a:solidFill>
                             <a:srgbClr val="FF0000"/>
                           </a:solidFill>
                         </a:rPr>
                         <a:t>- - -</a:t>
                       </a:r>
-                      <a:endParaRPr lang="en-US" sz="1600" dirty="0">
-                        <a:solidFill>
-                          <a:srgbClr val="FF0000"/>
-                        </a:solidFill>
-                      </a:endParaRPr>
                     </a:p>
                   </a:txBody>
                   <a:tcPr/>
@@ -7530,7 +7355,7 @@
                     <a:bodyPr/>
                     <a:lstStyle/>
                     <a:p>
-                      <a:endParaRPr lang="en-US" sz="1600" dirty="0" smtClean="0">
+                      <a:endParaRPr lang="en-US" sz="1600" dirty="0">
                         <a:solidFill>
                           <a:srgbClr val="FF0000"/>
                         </a:solidFill>
@@ -7538,18 +7363,13 @@
                     </a:p>
                     <a:p>
                       <a:r>
-                        <a:rPr lang="en-US" sz="1600" dirty="0" smtClean="0">
+                        <a:rPr lang="en-US" sz="1600" dirty="0">
                           <a:solidFill>
                             <a:srgbClr val="FF0000"/>
                           </a:solidFill>
                         </a:rPr>
                         <a:t>- - -</a:t>
                       </a:r>
-                      <a:endParaRPr lang="en-US" sz="1600" dirty="0">
-                        <a:solidFill>
-                          <a:srgbClr val="FF0000"/>
-                        </a:solidFill>
-                      </a:endParaRPr>
                     </a:p>
                   </a:txBody>
                   <a:tcPr/>
@@ -7559,7 +7379,7 @@
                     <a:bodyPr/>
                     <a:lstStyle/>
                     <a:p>
-                      <a:endParaRPr lang="en-US" sz="1600" dirty="0" smtClean="0">
+                      <a:endParaRPr lang="en-US" sz="1600" dirty="0">
                         <a:solidFill>
                           <a:srgbClr val="FFFF00"/>
                         </a:solidFill>
@@ -7567,18 +7387,13 @@
                     </a:p>
                     <a:p>
                       <a:r>
-                        <a:rPr lang="en-US" sz="1600" dirty="0" smtClean="0">
+                        <a:rPr lang="en-US" sz="1600" dirty="0">
                           <a:solidFill>
                             <a:srgbClr val="FFFF00"/>
                           </a:solidFill>
                         </a:rPr>
                         <a:t>++</a:t>
                       </a:r>
-                      <a:endParaRPr lang="en-US" sz="1600" dirty="0">
-                        <a:solidFill>
-                          <a:srgbClr val="FFFF00"/>
-                        </a:solidFill>
-                      </a:endParaRPr>
                     </a:p>
                   </a:txBody>
                   <a:tcPr/>
@@ -7588,7 +7403,7 @@
                     <a:bodyPr/>
                     <a:lstStyle/>
                     <a:p>
-                      <a:endParaRPr lang="en-US" sz="1600" dirty="0" smtClean="0">
+                      <a:endParaRPr lang="en-US" sz="1600" dirty="0">
                         <a:solidFill>
                           <a:srgbClr val="FF0000"/>
                         </a:solidFill>
@@ -7596,18 +7411,13 @@
                     </a:p>
                     <a:p>
                       <a:r>
-                        <a:rPr lang="en-US" sz="1600" dirty="0" smtClean="0">
+                        <a:rPr lang="en-US" sz="1600" dirty="0">
                           <a:solidFill>
                             <a:srgbClr val="FF0000"/>
                           </a:solidFill>
                         </a:rPr>
                         <a:t>-</a:t>
                       </a:r>
-                      <a:endParaRPr lang="en-US" sz="1600" dirty="0">
-                        <a:solidFill>
-                          <a:srgbClr val="FF0000"/>
-                        </a:solidFill>
-                      </a:endParaRPr>
                     </a:p>
                   </a:txBody>
                   <a:tcPr/>
@@ -7617,7 +7427,7 @@
                     <a:bodyPr/>
                     <a:lstStyle/>
                     <a:p>
-                      <a:endParaRPr lang="en-US" sz="1600" dirty="0" smtClean="0">
+                      <a:endParaRPr lang="en-US" sz="1600" dirty="0">
                         <a:solidFill>
                           <a:srgbClr val="FF0000"/>
                         </a:solidFill>
@@ -7625,22 +7435,22 @@
                     </a:p>
                     <a:p>
                       <a:r>
-                        <a:rPr lang="en-US" sz="1600" dirty="0" smtClean="0">
+                        <a:rPr lang="en-US" sz="1600" dirty="0">
                           <a:solidFill>
                             <a:srgbClr val="FF0000"/>
                           </a:solidFill>
                         </a:rPr>
                         <a:t>- - -</a:t>
                       </a:r>
-                      <a:endParaRPr lang="en-US" sz="1600" dirty="0">
-                        <a:solidFill>
-                          <a:srgbClr val="FF0000"/>
-                        </a:solidFill>
-                      </a:endParaRPr>
                     </a:p>
                   </a:txBody>
                   <a:tcPr/>
                 </a:tc>
+                <a:extLst>
+                  <a:ext uri="{0D108BD9-81ED-4DB2-BD59-A6C34878D82A}">
+                    <a16:rowId xmlns:a16="http://schemas.microsoft.com/office/drawing/2014/main" val="10001"/>
+                  </a:ext>
+                </a:extLst>
               </a:tr>
               <a:tr h="370840">
                 <a:tc>
@@ -7649,10 +7459,9 @@
                     <a:lstStyle/>
                     <a:p>
                       <a:r>
-                        <a:rPr lang="en-US" sz="1600" dirty="0" smtClean="0"/>
+                        <a:rPr lang="en-US" sz="1600" dirty="0"/>
                         <a:t>  Cerebellum</a:t>
                       </a:r>
-                      <a:endParaRPr lang="en-US" sz="1600" dirty="0"/>
                     </a:p>
                   </a:txBody>
                   <a:tcPr/>
@@ -7663,18 +7472,13 @@
                     <a:lstStyle/>
                     <a:p>
                       <a:r>
-                        <a:rPr lang="en-US" sz="1600" dirty="0" smtClean="0">
+                        <a:rPr lang="en-US" sz="1600" dirty="0">
                           <a:solidFill>
                             <a:srgbClr val="FF0000"/>
                           </a:solidFill>
                         </a:rPr>
                         <a:t>- - -</a:t>
                       </a:r>
-                      <a:endParaRPr lang="en-US" sz="1600" dirty="0">
-                        <a:solidFill>
-                          <a:srgbClr val="FF0000"/>
-                        </a:solidFill>
-                      </a:endParaRPr>
                     </a:p>
                   </a:txBody>
                   <a:tcPr/>
@@ -7685,18 +7489,13 @@
                     <a:lstStyle/>
                     <a:p>
                       <a:r>
-                        <a:rPr lang="en-US" sz="1600" dirty="0" smtClean="0">
+                        <a:rPr lang="en-US" sz="1600" dirty="0">
                           <a:solidFill>
                             <a:srgbClr val="FFFF00"/>
                           </a:solidFill>
                         </a:rPr>
                         <a:t>+++</a:t>
                       </a:r>
-                      <a:endParaRPr lang="en-US" sz="1600" dirty="0">
-                        <a:solidFill>
-                          <a:srgbClr val="FFFF00"/>
-                        </a:solidFill>
-                      </a:endParaRPr>
                     </a:p>
                   </a:txBody>
                   <a:tcPr/>
@@ -7707,18 +7506,13 @@
                     <a:lstStyle/>
                     <a:p>
                       <a:r>
-                        <a:rPr lang="en-US" sz="1600" dirty="0" smtClean="0">
+                        <a:rPr lang="en-US" sz="1600" dirty="0">
                           <a:solidFill>
                             <a:srgbClr val="FF0000"/>
                           </a:solidFill>
                         </a:rPr>
                         <a:t>- - -</a:t>
                       </a:r>
-                      <a:endParaRPr lang="en-US" sz="1600" dirty="0">
-                        <a:solidFill>
-                          <a:srgbClr val="FF0000"/>
-                        </a:solidFill>
-                      </a:endParaRPr>
                     </a:p>
                   </a:txBody>
                   <a:tcPr/>
@@ -7729,18 +7523,13 @@
                     <a:lstStyle/>
                     <a:p>
                       <a:r>
-                        <a:rPr lang="en-US" sz="1600" dirty="0" smtClean="0">
+                        <a:rPr lang="en-US" sz="1600" dirty="0">
                           <a:solidFill>
                             <a:srgbClr val="FFFF00"/>
                           </a:solidFill>
                         </a:rPr>
                         <a:t>+++</a:t>
                       </a:r>
-                      <a:endParaRPr lang="en-US" sz="1600" dirty="0">
-                        <a:solidFill>
-                          <a:srgbClr val="FFFF00"/>
-                        </a:solidFill>
-                      </a:endParaRPr>
                     </a:p>
                   </a:txBody>
                   <a:tcPr/>
@@ -7751,18 +7540,13 @@
                     <a:lstStyle/>
                     <a:p>
                       <a:r>
-                        <a:rPr lang="en-US" sz="1600" dirty="0" smtClean="0">
+                        <a:rPr lang="en-US" sz="1600" dirty="0">
                           <a:solidFill>
                             <a:srgbClr val="FF0000"/>
                           </a:solidFill>
                         </a:rPr>
                         <a:t>- - -</a:t>
                       </a:r>
-                      <a:endParaRPr lang="en-US" sz="1600" dirty="0">
-                        <a:solidFill>
-                          <a:srgbClr val="FF0000"/>
-                        </a:solidFill>
-                      </a:endParaRPr>
                     </a:p>
                   </a:txBody>
                   <a:tcPr/>
@@ -7773,22 +7557,22 @@
                     <a:lstStyle/>
                     <a:p>
                       <a:r>
-                        <a:rPr lang="en-US" sz="1600" dirty="0" smtClean="0">
+                        <a:rPr lang="en-US" sz="1600" dirty="0">
                           <a:solidFill>
                             <a:srgbClr val="FF0000"/>
                           </a:solidFill>
                         </a:rPr>
                         <a:t>- - -</a:t>
                       </a:r>
-                      <a:endParaRPr lang="en-US" sz="1600" dirty="0">
-                        <a:solidFill>
-                          <a:srgbClr val="FF0000"/>
-                        </a:solidFill>
-                      </a:endParaRPr>
                     </a:p>
                   </a:txBody>
                   <a:tcPr/>
                 </a:tc>
+                <a:extLst>
+                  <a:ext uri="{0D108BD9-81ED-4DB2-BD59-A6C34878D82A}">
+                    <a16:rowId xmlns:a16="http://schemas.microsoft.com/office/drawing/2014/main" val="10002"/>
+                  </a:ext>
+                </a:extLst>
               </a:tr>
             </a:tbl>
           </a:graphicData>
@@ -7841,18 +7625,13 @@
           <a:lstStyle/>
           <a:p>
             <a:r>
-              <a:rPr lang="en-US" i="1" dirty="0" smtClean="0">
+              <a:rPr lang="en-US" i="1" dirty="0">
                 <a:solidFill>
                   <a:schemeClr val="bg1"/>
                 </a:solidFill>
               </a:rPr>
               <a:t>Learning Signal</a:t>
             </a:r>
-            <a:endParaRPr lang="en-US" i="1" dirty="0">
-              <a:solidFill>
-                <a:schemeClr val="bg1"/>
-              </a:solidFill>
-            </a:endParaRPr>
           </a:p>
         </p:txBody>
       </p:sp>
@@ -7879,18 +7658,13 @@
           <a:lstStyle/>
           <a:p>
             <a:r>
-              <a:rPr lang="en-US" i="1" dirty="0" smtClean="0">
+              <a:rPr lang="en-US" i="1" dirty="0">
                 <a:solidFill>
                   <a:schemeClr val="bg1"/>
                 </a:solidFill>
               </a:rPr>
               <a:t>Dynamics</a:t>
             </a:r>
-            <a:endParaRPr lang="en-US" i="1" dirty="0">
-              <a:solidFill>
-                <a:schemeClr val="bg1"/>
-              </a:solidFill>
-            </a:endParaRPr>
           </a:p>
         </p:txBody>
       </p:sp>
@@ -7972,13 +7746,6 @@
   <p:clrMapOvr>
     <a:masterClrMapping/>
   </p:clrMapOvr>
-  <p:timing>
-    <p:tnLst>
-      <p:par>
-        <p:cTn id="1" dur="indefinite" restart="never" nodeType="tmRoot"/>
-      </p:par>
-    </p:tnLst>
-  </p:timing>
 </p:sld>
 </file>
 
@@ -8015,10 +7782,9 @@
           <a:lstStyle/>
           <a:p>
             <a:r>
-              <a:rPr lang="en-US" dirty="0" smtClean="0"/>
+              <a:rPr lang="en-US" dirty="0"/>
               <a:t>Lookup Table &amp; Pattern Separation</a:t>
             </a:r>
-            <a:endParaRPr lang="en-US" dirty="0"/>
           </a:p>
         </p:txBody>
       </p:sp>
@@ -8104,13 +7870,6 @@
   <p:clrMapOvr>
     <a:masterClrMapping/>
   </p:clrMapOvr>
-  <p:timing>
-    <p:tnLst>
-      <p:par>
-        <p:cTn id="1" dur="indefinite" restart="never" nodeType="tmRoot"/>
-      </p:par>
-    </p:tnLst>
-  </p:timing>
 </p:sld>
 </file>
 
@@ -8147,14 +7906,13 @@
           <a:lstStyle/>
           <a:p>
             <a:r>
-              <a:rPr lang="en-US" dirty="0" err="1" smtClean="0"/>
+              <a:rPr lang="en-US" dirty="0" err="1"/>
               <a:t>Cerebellar</a:t>
             </a:r>
             <a:r>
-              <a:rPr lang="en-US" dirty="0" smtClean="0"/>
+              <a:rPr lang="en-US" dirty="0"/>
               <a:t> Error-driven Learning</a:t>
             </a:r>
-            <a:endParaRPr lang="en-US" dirty="0"/>
           </a:p>
         </p:txBody>
       </p:sp>
@@ -8340,13 +8098,6 @@
   <p:clrMapOvr>
     <a:masterClrMapping/>
   </p:clrMapOvr>
-  <p:timing>
-    <p:tnLst>
-      <p:par>
-        <p:cTn id="1" dur="indefinite" restart="never" nodeType="tmRoot"/>
-      </p:par>
-    </p:tnLst>
-  </p:timing>
 </p:sld>
 </file>
 
@@ -8383,10 +8134,9 @@
           <a:lstStyle/>
           <a:p>
             <a:r>
-              <a:rPr lang="en-US" dirty="0" smtClean="0"/>
+              <a:rPr lang="en-US" dirty="0"/>
               <a:t>Cerebellum is Feed Forward </a:t>
             </a:r>
-            <a:endParaRPr lang="en-US" dirty="0"/>
           </a:p>
         </p:txBody>
       </p:sp>
@@ -8409,29 +8159,29 @@
               <a:buNone/>
             </a:pPr>
             <a:r>
-              <a:rPr lang="en-US" dirty="0" err="1" smtClean="0"/>
+              <a:rPr lang="en-US" dirty="0" err="1"/>
               <a:t>Feedforward</a:t>
             </a:r>
             <a:r>
-              <a:rPr lang="en-US" dirty="0" smtClean="0"/>
+              <a:rPr lang="en-US" dirty="0"/>
               <a:t> circuit:</a:t>
             </a:r>
           </a:p>
           <a:p>
             <a:r>
-              <a:rPr lang="en-US" dirty="0" smtClean="0"/>
+              <a:rPr lang="en-US" dirty="0"/>
               <a:t>Input (PN) -&gt; granules -&gt; Purkinje -&gt; Output (DCN)</a:t>
             </a:r>
           </a:p>
           <a:p>
             <a:r>
-              <a:rPr lang="en-US" dirty="0" smtClean="0"/>
+              <a:rPr lang="en-US" dirty="0"/>
               <a:t>Inhibitory interactions – no attractor dynamics</a:t>
             </a:r>
           </a:p>
           <a:p>
             <a:r>
-              <a:rPr lang="en-US" dirty="0" smtClean="0"/>
+              <a:rPr lang="en-US" dirty="0"/>
               <a:t>Key idea: does delta-rule learning bridging small temporal gap:</a:t>
             </a:r>
           </a:p>
@@ -8440,15 +8190,15 @@
               <a:buNone/>
             </a:pPr>
             <a:r>
-              <a:rPr lang="en-US" dirty="0" smtClean="0"/>
+              <a:rPr lang="en-US" dirty="0"/>
               <a:t>	S(t-100) -&gt; </a:t>
             </a:r>
             <a:r>
-              <a:rPr lang="en-US" dirty="0" err="1" smtClean="0"/>
+              <a:rPr lang="en-US" dirty="0" err="1"/>
               <a:t>R(t</a:t>
             </a:r>
             <a:r>
-              <a:rPr lang="en-US" dirty="0" smtClean="0"/>
+              <a:rPr lang="en-US" dirty="0"/>
               <a:t>)</a:t>
             </a:r>
           </a:p>
@@ -8457,7 +8207,7 @@
               <a:buNone/>
             </a:pPr>
             <a:r>
-              <a:rPr lang="en-US" dirty="0" smtClean="0"/>
+              <a:rPr lang="en-US" dirty="0"/>
               <a:t>                      ^ Error(t+100) </a:t>
             </a:r>
           </a:p>
@@ -8516,13 +8266,6 @@
   <p:clrMapOvr>
     <a:masterClrMapping/>
   </p:clrMapOvr>
-  <p:timing>
-    <p:tnLst>
-      <p:par>
-        <p:cTn id="1" dur="indefinite" restart="never" nodeType="tmRoot"/>
-      </p:par>
-    </p:tnLst>
-  </p:timing>
 </p:sld>
 </file>
 
@@ -8559,10 +8302,9 @@
           <a:lstStyle/>
           <a:p>
             <a:r>
-              <a:rPr lang="en-US" dirty="0" smtClean="0"/>
+              <a:rPr lang="en-US" dirty="0"/>
               <a:t>Basal Ganglia and Action Selection</a:t>
             </a:r>
-            <a:endParaRPr lang="en-US" dirty="0"/>
           </a:p>
         </p:txBody>
       </p:sp>
@@ -8619,13 +8361,6 @@
   <p:clrMapOvr>
     <a:masterClrMapping/>
   </p:clrMapOvr>
-  <p:timing>
-    <p:tnLst>
-      <p:par>
-        <p:cTn id="1" dur="indefinite" restart="never" nodeType="tmRoot"/>
-      </p:par>
-    </p:tnLst>
-  </p:timing>
 </p:sld>
 </file>
 
@@ -8662,7 +8397,7 @@
           <a:lstStyle/>
           <a:p>
             <a:r>
-              <a:rPr lang="en-US" dirty="0" smtClean="0"/>
+              <a:rPr lang="en-US" dirty="0"/>
               <a:t>Basal Ganglia: Action Selection</a:t>
             </a:r>
             <a:endParaRPr lang="en-US" sz="1800" dirty="0"/>
@@ -8760,13 +8495,6 @@
   <p:clrMapOvr>
     <a:masterClrMapping/>
   </p:clrMapOvr>
-  <p:timing>
-    <p:tnLst>
-      <p:par>
-        <p:cTn id="1" dur="indefinite" restart="never" nodeType="tmRoot"/>
-      </p:par>
-    </p:tnLst>
-  </p:timing>
 </p:sld>
 </file>
 
@@ -8803,10 +8531,9 @@
           <a:lstStyle/>
           <a:p>
             <a:r>
-              <a:rPr lang="en-US" dirty="0" smtClean="0"/>
+              <a:rPr lang="en-US" dirty="0"/>
               <a:t>Chain of Command..</a:t>
             </a:r>
-            <a:endParaRPr lang="en-US" dirty="0"/>
           </a:p>
         </p:txBody>
       </p:sp>
@@ -8849,13 +8576,6 @@
   <p:clrMapOvr>
     <a:masterClrMapping/>
   </p:clrMapOvr>
-  <p:timing>
-    <p:tnLst>
-      <p:par>
-        <p:cTn id="1" dur="indefinite" restart="never" nodeType="tmRoot"/>
-      </p:par>
-    </p:tnLst>
-  </p:timing>
 </p:sld>
 </file>
 
